--- a/ppt/원팀 발표자료 20201027.pptx
+++ b/ppt/원팀 발표자료 20201027.pptx
@@ -1,34 +1,34 @@
 
 <file path=ppt/presentation.xml><?xml version="1.0" encoding="utf-8"?>
-<p:presentation xmlns:a="http://schemas.openxmlformats.org/drawingml/2006/main" xmlns:r="http://schemas.openxmlformats.org/officeDocument/2006/relationships" xmlns:p="http://schemas.openxmlformats.org/presentationml/2006/main" saveSubsetFonts="1">
+<p:presentation xmlns:r="http://schemas.openxmlformats.org/officeDocument/2006/relationships" xmlns:c="http://schemas.openxmlformats.org/drawingml/2006/chart" xmlns:a="http://schemas.openxmlformats.org/drawingml/2006/main" xmlns:dgm="http://schemas.openxmlformats.org/drawingml/2006/diagram" xmlns:dsp="http://schemas.microsoft.com/office/drawing/2008/diagram" xmlns:p="http://schemas.openxmlformats.org/presentationml/2006/main">
   <p:sldMasterIdLst>
-    <p:sldMasterId id="2147483648" r:id="rId1"/>
+    <p:sldMasterId id="2147483660" r:id="rId1"/>
   </p:sldMasterIdLst>
   <p:notesMasterIdLst>
-    <p:notesMasterId r:id="rId23"/>
+    <p:notesMasterId r:id="rId2"/>
   </p:notesMasterIdLst>
   <p:sldIdLst>
-    <p:sldId id="257" r:id="rId2"/>
-    <p:sldId id="258" r:id="rId3"/>
-    <p:sldId id="263" r:id="rId4"/>
-    <p:sldId id="271" r:id="rId5"/>
-    <p:sldId id="266" r:id="rId6"/>
-    <p:sldId id="288" r:id="rId7"/>
-    <p:sldId id="277" r:id="rId8"/>
-    <p:sldId id="278" r:id="rId9"/>
-    <p:sldId id="279" r:id="rId10"/>
-    <p:sldId id="280" r:id="rId11"/>
-    <p:sldId id="281" r:id="rId12"/>
-    <p:sldId id="284" r:id="rId13"/>
-    <p:sldId id="285" r:id="rId14"/>
-    <p:sldId id="272" r:id="rId15"/>
-    <p:sldId id="287" r:id="rId16"/>
-    <p:sldId id="282" r:id="rId17"/>
-    <p:sldId id="283" r:id="rId18"/>
-    <p:sldId id="267" r:id="rId19"/>
+    <p:sldId id="256" r:id="rId3"/>
+    <p:sldId id="257" r:id="rId4"/>
+    <p:sldId id="258" r:id="rId5"/>
+    <p:sldId id="259" r:id="rId6"/>
+    <p:sldId id="260" r:id="rId7"/>
+    <p:sldId id="261" r:id="rId8"/>
+    <p:sldId id="262" r:id="rId9"/>
+    <p:sldId id="263" r:id="rId10"/>
+    <p:sldId id="264" r:id="rId11"/>
+    <p:sldId id="265" r:id="rId12"/>
+    <p:sldId id="266" r:id="rId13"/>
+    <p:sldId id="267" r:id="rId14"/>
+    <p:sldId id="268" r:id="rId15"/>
+    <p:sldId id="269" r:id="rId16"/>
+    <p:sldId id="270" r:id="rId17"/>
+    <p:sldId id="271" r:id="rId18"/>
+    <p:sldId id="272" r:id="rId19"/>
     <p:sldId id="273" r:id="rId20"/>
     <p:sldId id="274" r:id="rId21"/>
-    <p:sldId id="265" r:id="rId22"/>
+    <p:sldId id="275" r:id="rId22"/>
+    <p:sldId id="276" r:id="rId23"/>
   </p:sldIdLst>
   <p:sldSz cx="12192000" cy="6858000"/>
   <p:notesSz cx="6858000" cy="9144000"/>
@@ -127,16 +127,11 @@
       </a:defRPr>
     </a:lvl9pPr>
   </p:defaultTextStyle>
-  <p:extLst>
-    <p:ext uri="{EFAFB233-063F-42B5-8137-9DF3F51BA10A}">
-      <p15:sldGuideLst xmlns:p15="http://schemas.microsoft.com/office/powerpoint/2012/main"/>
-    </p:ext>
-  </p:extLst>
 </p:presentation>
 </file>
 
 <file path=ppt/notesMasters/notesMaster1.xml><?xml version="1.0" encoding="utf-8"?>
-<p:notesMaster xmlns:a="http://schemas.openxmlformats.org/drawingml/2006/main" xmlns:r="http://schemas.openxmlformats.org/officeDocument/2006/relationships" xmlns:p="http://schemas.openxmlformats.org/presentationml/2006/main">
+<p:notesMaster xmlns:r="http://schemas.openxmlformats.org/officeDocument/2006/relationships" xmlns:c="http://schemas.openxmlformats.org/drawingml/2006/chart" xmlns:a="http://schemas.openxmlformats.org/drawingml/2006/main" xmlns:dgm="http://schemas.openxmlformats.org/drawingml/2006/diagram" xmlns:dsp="http://schemas.microsoft.com/office/drawing/2008/diagram" xmlns:p="http://schemas.openxmlformats.org/presentationml/2006/main">
   <p:cSld>
     <p:bg>
       <p:bgRef idx="1001">
@@ -164,7 +159,7 @@
             <a:spLocks noGrp="1"/>
           </p:cNvSpPr>
           <p:nvPr>
-            <p:ph type="hdr" sz="quarter"/>
+            <p:ph type="hdr" sz="quarter" idx="0"/>
           </p:nvPr>
         </p:nvSpPr>
         <p:spPr>
@@ -177,14 +172,21 @@
           </a:prstGeom>
         </p:spPr>
         <p:txBody>
-          <a:bodyPr vert="horz" lIns="91440" tIns="45720" rIns="91440" bIns="45720" rtlCol="0"/>
+          <a:bodyPr vert="horz" lIns="91440" tIns="45720" rIns="91440" bIns="45720"/>
           <a:lstStyle>
             <a:lvl1pPr algn="l">
               <a:defRPr sz="1200"/>
             </a:lvl1pPr>
           </a:lstStyle>
           <a:p>
-            <a:endParaRPr lang="ko-KR" altLang="en-US" dirty="0"/>
+            <a:pPr lvl="0">
+              <a:defRPr/>
+            </a:pPr>
+            <a:r>
+              <a:rPr lang="ko-KR" altLang="en-US"/>
+              <a:t/>
+            </a:r>
+            <a:endParaRPr lang="ko-KR" altLang="en-US"/>
           </a:p>
         </p:txBody>
       </p:sp>
@@ -208,18 +210,24 @@
           </a:prstGeom>
         </p:spPr>
         <p:txBody>
-          <a:bodyPr vert="horz" lIns="91440" tIns="45720" rIns="91440" bIns="45720" rtlCol="0"/>
+          <a:bodyPr vert="horz" lIns="91440" tIns="45720" rIns="91440" bIns="45720"/>
           <a:lstStyle>
             <a:lvl1pPr algn="r">
               <a:defRPr sz="1200"/>
             </a:lvl1pPr>
           </a:lstStyle>
           <a:p>
-            <a:fld id="{03C5E245-44B4-4AB5-B9FE-EBAF05CDB16F}" type="datetimeFigureOut">
-              <a:rPr lang="ko-KR" altLang="en-US" smtClean="0"/>
+            <a:pPr lvl="0">
+              <a:defRPr/>
+            </a:pPr>
+            <a:fld id="{03C5E245-44B4-4AB5-B9FE-EBAF05CDB16F}" type="datetime1">
+              <a:rPr lang="ko-KR" altLang="en-US"/>
+              <a:pPr lvl="0">
+                <a:defRPr/>
+              </a:pPr>
               <a:t>2022-10-27</a:t>
             </a:fld>
-            <a:endParaRPr lang="ko-KR" altLang="en-US" dirty="0"/>
+            <a:endParaRPr lang="ko-KR" altLang="en-US"/>
           </a:p>
         </p:txBody>
       </p:sp>
@@ -227,7 +235,7 @@
         <p:nvSpPr>
           <p:cNvPr id="4" name="슬라이드 이미지 개체 틀 3"/>
           <p:cNvSpPr>
-            <a:spLocks noGrp="1" noRot="1" noChangeAspect="1"/>
+            <a:spLocks noGrp="1" noRot="1" noChangeAspect="1" noTextEdit="1"/>
           </p:cNvSpPr>
           <p:nvPr>
             <p:ph type="sldImg" idx="2"/>
@@ -249,10 +257,13 @@
           </a:ln>
         </p:spPr>
         <p:txBody>
-          <a:bodyPr vert="horz" lIns="91440" tIns="45720" rIns="91440" bIns="45720" rtlCol="0" anchor="ctr"/>
+          <a:bodyPr vert="horz" lIns="91440" tIns="45720" rIns="91440" bIns="45720" anchor="ctr"/>
           <a:lstStyle/>
           <a:p>
-            <a:endParaRPr lang="ko-KR" altLang="en-US" dirty="0"/>
+            <a:pPr lvl="0">
+              <a:defRPr/>
+            </a:pPr>
+            <a:endParaRPr lang="ko-KR" altLang="en-US"/>
           </a:p>
         </p:txBody>
       </p:sp>
@@ -276,42 +287,57 @@
           </a:prstGeom>
         </p:spPr>
         <p:txBody>
-          <a:bodyPr vert="horz" lIns="91440" tIns="45720" rIns="91440" bIns="45720" rtlCol="0"/>
+          <a:bodyPr vert="horz" lIns="91440" tIns="45720" rIns="91440" bIns="45720"/>
           <a:lstStyle/>
           <a:p>
-            <a:pPr lvl="0"/>
+            <a:pPr lvl="0">
+              <a:defRPr/>
+            </a:pPr>
             <a:r>
               <a:rPr lang="ko-KR" altLang="en-US"/>
               <a:t>마스터 텍스트 스타일 편집</a:t>
             </a:r>
-          </a:p>
-          <a:p>
-            <a:pPr lvl="1"/>
+            <a:endParaRPr lang="ko-KR" altLang="en-US"/>
+          </a:p>
+          <a:p>
+            <a:pPr lvl="1">
+              <a:defRPr/>
+            </a:pPr>
             <a:r>
               <a:rPr lang="ko-KR" altLang="en-US"/>
               <a:t>둘째 수준</a:t>
             </a:r>
-          </a:p>
-          <a:p>
-            <a:pPr lvl="2"/>
+            <a:endParaRPr lang="ko-KR" altLang="en-US"/>
+          </a:p>
+          <a:p>
+            <a:pPr lvl="2">
+              <a:defRPr/>
+            </a:pPr>
             <a:r>
               <a:rPr lang="ko-KR" altLang="en-US"/>
               <a:t>셋째 수준</a:t>
             </a:r>
-          </a:p>
-          <a:p>
-            <a:pPr lvl="3"/>
+            <a:endParaRPr lang="ko-KR" altLang="en-US"/>
+          </a:p>
+          <a:p>
+            <a:pPr lvl="3">
+              <a:defRPr/>
+            </a:pPr>
             <a:r>
               <a:rPr lang="ko-KR" altLang="en-US"/>
               <a:t>넷째 수준</a:t>
             </a:r>
-          </a:p>
-          <a:p>
-            <a:pPr lvl="4"/>
+            <a:endParaRPr lang="ko-KR" altLang="en-US"/>
+          </a:p>
+          <a:p>
+            <a:pPr lvl="4">
+              <a:defRPr/>
+            </a:pPr>
             <a:r>
               <a:rPr lang="ko-KR" altLang="en-US"/>
               <a:t>다섯째 수준</a:t>
             </a:r>
+            <a:endParaRPr lang="ko-KR" altLang="en-US"/>
           </a:p>
         </p:txBody>
       </p:sp>
@@ -335,14 +361,21 @@
           </a:prstGeom>
         </p:spPr>
         <p:txBody>
-          <a:bodyPr vert="horz" lIns="91440" tIns="45720" rIns="91440" bIns="45720" rtlCol="0" anchor="b"/>
+          <a:bodyPr vert="horz" lIns="91440" tIns="45720" rIns="91440" bIns="45720" anchor="b"/>
           <a:lstStyle>
             <a:lvl1pPr algn="l">
               <a:defRPr sz="1200"/>
             </a:lvl1pPr>
           </a:lstStyle>
           <a:p>
-            <a:endParaRPr lang="ko-KR" altLang="en-US" dirty="0"/>
+            <a:pPr lvl="0">
+              <a:defRPr/>
+            </a:pPr>
+            <a:r>
+              <a:rPr lang="ko-KR" altLang="en-US"/>
+              <a:t/>
+            </a:r>
+            <a:endParaRPr lang="ko-KR" altLang="en-US"/>
           </a:p>
         </p:txBody>
       </p:sp>
@@ -366,29 +399,31 @@
           </a:prstGeom>
         </p:spPr>
         <p:txBody>
-          <a:bodyPr vert="horz" lIns="91440" tIns="45720" rIns="91440" bIns="45720" rtlCol="0" anchor="b"/>
+          <a:bodyPr vert="horz" lIns="91440" tIns="45720" rIns="91440" bIns="45720" anchor="b"/>
           <a:lstStyle>
             <a:lvl1pPr algn="r">
               <a:defRPr sz="1200"/>
             </a:lvl1pPr>
           </a:lstStyle>
           <a:p>
+            <a:pPr lvl="0">
+              <a:defRPr/>
+            </a:pPr>
             <a:fld id="{16B12EC9-77ED-4391-A30F-EE56312B8E3A}" type="slidenum">
-              <a:rPr lang="ko-KR" altLang="en-US" smtClean="0"/>
+              <a:rPr lang="ko-KR" altLang="en-US"/>
+              <a:pPr lvl="0">
+                <a:defRPr/>
+              </a:pPr>
               <a:t>‹#›</a:t>
             </a:fld>
-            <a:endParaRPr lang="ko-KR" altLang="en-US" dirty="0"/>
+            <a:endParaRPr lang="ko-KR" altLang="en-US"/>
           </a:p>
         </p:txBody>
       </p:sp>
     </p:spTree>
-    <p:extLst>
-      <p:ext uri="{BB962C8B-B14F-4D97-AF65-F5344CB8AC3E}">
-        <p14:creationId xmlns:p14="http://schemas.microsoft.com/office/powerpoint/2010/main" val="824992053"/>
-      </p:ext>
-    </p:extLst>
   </p:cSld>
   <p:clrMap bg1="lt1" tx1="dk1" bg2="lt2" tx2="dk2" accent1="accent1" accent2="accent2" accent3="accent3" accent4="accent4" accent5="accent5" accent6="accent6" hlink="hlink" folHlink="folHlink"/>
+  <p:hf hdr="0" ftr="0" dt="0"/>
   <p:notesStyle>
     <a:lvl1pPr marL="0" algn="l" defTabSz="914400" rtl="0" eaLnBrk="1" latinLnBrk="1" hangingPunct="1">
       <a:defRPr sz="1200" kern="1200">
@@ -8456,7 +8491,7 @@
 </file>
 
 <file path=ppt/slides/slide18.xml><?xml version="1.0" encoding="utf-8"?>
-<p:sld xmlns:a="http://schemas.openxmlformats.org/drawingml/2006/main" xmlns:r="http://schemas.openxmlformats.org/officeDocument/2006/relationships" xmlns:p="http://schemas.openxmlformats.org/presentationml/2006/main">
+<p:sld xmlns:r="http://schemas.openxmlformats.org/officeDocument/2006/relationships" xmlns:c="http://schemas.openxmlformats.org/drawingml/2006/chart" xmlns:a="http://schemas.openxmlformats.org/drawingml/2006/main" xmlns:dgm="http://schemas.openxmlformats.org/drawingml/2006/diagram" xmlns:dsp="http://schemas.microsoft.com/office/drawing/2008/diagram" xmlns:p="http://schemas.openxmlformats.org/presentationml/2006/main">
   <p:cSld>
     <p:spTree>
       <p:nvGrpSpPr>
@@ -8475,9 +8510,7 @@
       <p:sp>
         <p:nvSpPr>
           <p:cNvPr id="11" name="내용 개체 틀 2"/>
-          <p:cNvSpPr txBox="1">
-            <a:spLocks/>
-          </p:cNvSpPr>
+          <p:cNvSpPr txBox="1"/>
           <p:nvPr/>
         </p:nvSpPr>
         <p:spPr>
@@ -8499,7 +8532,7 @@
               <a:spcBef>
                 <a:spcPts val="1000"/>
               </a:spcBef>
-              <a:buFont typeface="Arial" panose="020B0604020202020204" pitchFamily="34" charset="0"/>
+              <a:buFont typeface="Arial"/>
               <a:buChar char="•"/>
               <a:defRPr sz="2800" kern="1200">
                 <a:solidFill>
@@ -8517,7 +8550,7 @@
               <a:spcBef>
                 <a:spcPts val="500"/>
               </a:spcBef>
-              <a:buFont typeface="Arial" panose="020B0604020202020204" pitchFamily="34" charset="0"/>
+              <a:buFont typeface="Arial"/>
               <a:buChar char="•"/>
               <a:defRPr sz="2400" kern="1200">
                 <a:solidFill>
@@ -8535,7 +8568,7 @@
               <a:spcBef>
                 <a:spcPts val="500"/>
               </a:spcBef>
-              <a:buFont typeface="Arial" panose="020B0604020202020204" pitchFamily="34" charset="0"/>
+              <a:buFont typeface="Arial"/>
               <a:buChar char="•"/>
               <a:defRPr sz="2000" kern="1200">
                 <a:solidFill>
@@ -8553,7 +8586,7 @@
               <a:spcBef>
                 <a:spcPts val="500"/>
               </a:spcBef>
-              <a:buFont typeface="Arial" panose="020B0604020202020204" pitchFamily="34" charset="0"/>
+              <a:buFont typeface="Arial"/>
               <a:buChar char="•"/>
               <a:defRPr sz="1800" kern="1200">
                 <a:solidFill>
@@ -8571,7 +8604,7 @@
               <a:spcBef>
                 <a:spcPts val="500"/>
               </a:spcBef>
-              <a:buFont typeface="Arial" panose="020B0604020202020204" pitchFamily="34" charset="0"/>
+              <a:buFont typeface="Arial"/>
               <a:buChar char="•"/>
               <a:defRPr sz="1800" kern="1200">
                 <a:solidFill>
@@ -8589,7 +8622,7 @@
               <a:spcBef>
                 <a:spcPts val="500"/>
               </a:spcBef>
-              <a:buFont typeface="Arial" panose="020B0604020202020204" pitchFamily="34" charset="0"/>
+              <a:buFont typeface="Arial"/>
               <a:buChar char="•"/>
               <a:defRPr sz="1800" kern="1200">
                 <a:solidFill>
@@ -8607,7 +8640,7 @@
               <a:spcBef>
                 <a:spcPts val="500"/>
               </a:spcBef>
-              <a:buFont typeface="Arial" panose="020B0604020202020204" pitchFamily="34" charset="0"/>
+              <a:buFont typeface="Arial"/>
               <a:buChar char="•"/>
               <a:defRPr sz="1800" kern="1200">
                 <a:solidFill>
@@ -8625,7 +8658,7 @@
               <a:spcBef>
                 <a:spcPts val="500"/>
               </a:spcBef>
-              <a:buFont typeface="Arial" panose="020B0604020202020204" pitchFamily="34" charset="0"/>
+              <a:buFont typeface="Arial"/>
               <a:buChar char="•"/>
               <a:defRPr sz="1800" kern="1200">
                 <a:solidFill>
@@ -8643,7 +8676,7 @@
               <a:spcBef>
                 <a:spcPts val="500"/>
               </a:spcBef>
-              <a:buFont typeface="Arial" panose="020B0604020202020204" pitchFamily="34" charset="0"/>
+              <a:buFont typeface="Arial"/>
               <a:buChar char="•"/>
               <a:defRPr sz="1800" kern="1200">
                 <a:solidFill>
@@ -8657,11 +8690,11 @@
           </a:lstStyle>
           <a:p>
             <a:pPr marL="0" indent="0">
-              <a:buFont typeface="Arial" panose="020B0604020202020204" pitchFamily="34" charset="0"/>
+              <a:buFont typeface="Arial"/>
               <a:buNone/>
               <a:defRPr/>
             </a:pPr>
-            <a:endParaRPr lang="ko-KR" altLang="en-US" sz="1200" dirty="0">
+            <a:endParaRPr lang="ko-KR" altLang="en-US" sz="1200">
               <a:latin typeface="+mn-ea"/>
             </a:endParaRPr>
           </a:p>
@@ -8670,17 +8703,29 @@
               <a:lnSpc>
                 <a:spcPct val="150000"/>
               </a:lnSpc>
-              <a:buFont typeface="Arial" panose="020B0604020202020204" pitchFamily="34" charset="0"/>
+              <a:buFont typeface="Arial"/>
               <a:buAutoNum type="alphaLcPeriod"/>
               <a:defRPr/>
             </a:pPr>
             <a:r>
-              <a:rPr lang="ko-KR" altLang="en-US" sz="1200" dirty="0">
+              <a:rPr lang="ko-KR" altLang="en-US" sz="1200">
                 <a:latin typeface="+mn-ea"/>
               </a:rPr>
-              <a:t>회원정보 테이블의 ‘memberGrade’ 컬럼 값이 ‘1’이면 관리자로 로그인 </a:t>
-            </a:r>
-            <a:endParaRPr lang="en-US" altLang="ko-KR" sz="1200" dirty="0">
+              <a:t>회원정보 테이블의 ‘memberGrade’ 컬럼 값이 ‘</a:t>
+            </a:r>
+            <a:r>
+              <a:rPr lang="en-US" altLang="ko-KR" sz="1200">
+                <a:latin typeface="+mn-ea"/>
+              </a:rPr>
+              <a:t>0</a:t>
+            </a:r>
+            <a:r>
+              <a:rPr lang="ko-KR" altLang="en-US" sz="1200">
+                <a:latin typeface="+mn-ea"/>
+              </a:rPr>
+              <a:t>’이면 관리자로 로그인 </a:t>
+            </a:r>
+            <a:endParaRPr lang="ko-KR" altLang="en-US" sz="1200">
               <a:latin typeface="+mn-ea"/>
             </a:endParaRPr>
           </a:p>
@@ -8693,11 +8738,14 @@
               <a:defRPr/>
             </a:pPr>
             <a:r>
-              <a:rPr lang="en-US" altLang="ko-KR" sz="1200" dirty="0">
+              <a:rPr lang="en-US" altLang="ko-KR" sz="1200">
                 <a:latin typeface="+mn-ea"/>
               </a:rPr>
               <a:t>b.  처음 진입하면 현재 회원 리스트 보여 주며, 리스트에서 삭제할 회원이름을 입력 받아 회원 삭제를 진행</a:t>
             </a:r>
+            <a:endParaRPr lang="en-US" altLang="ko-KR" sz="1200">
+              <a:latin typeface="+mn-ea"/>
+            </a:endParaRPr>
           </a:p>
           <a:p>
             <a:pPr marL="0" indent="0">
@@ -8708,35 +8756,38 @@
               <a:defRPr/>
             </a:pPr>
             <a:r>
-              <a:rPr lang="en-US" altLang="ko-KR" sz="1200" dirty="0">
+              <a:rPr lang="en-US" altLang="ko-KR" sz="1200">
                 <a:latin typeface="+mn-ea"/>
               </a:rPr>
               <a:t>    리스트 외 이름 입력하면 ‘삭제할 이름을 입력해주세요~” 라는 메</a:t>
             </a:r>
             <a:r>
-              <a:rPr lang="ko-KR" altLang="en-US" sz="1200" dirty="0">
+              <a:rPr lang="ko-KR" altLang="en-US" sz="1200">
                 <a:latin typeface="+mn-ea"/>
               </a:rPr>
               <a:t>시지가</a:t>
             </a:r>
             <a:r>
-              <a:rPr lang="en-US" altLang="ko-KR" sz="1200" dirty="0">
+              <a:rPr lang="en-US" altLang="ko-KR" sz="1200">
                 <a:latin typeface="+mn-ea"/>
               </a:rPr>
               <a:t> </a:t>
             </a:r>
             <a:r>
-              <a:rPr lang="ko-KR" altLang="en-US" sz="1200" dirty="0">
+              <a:rPr lang="ko-KR" altLang="en-US" sz="1200">
                 <a:latin typeface="+mn-ea"/>
               </a:rPr>
               <a:t>계속 나타남</a:t>
             </a:r>
             <a:r>
-              <a:rPr lang="en-US" altLang="ko-KR" sz="1200" dirty="0">
+              <a:rPr lang="en-US" altLang="ko-KR" sz="1200">
                 <a:latin typeface="+mn-ea"/>
               </a:rPr>
               <a:t>. </a:t>
             </a:r>
+            <a:endParaRPr lang="en-US" altLang="ko-KR" sz="1200">
+              <a:latin typeface="+mn-ea"/>
+            </a:endParaRPr>
           </a:p>
           <a:p>
             <a:pPr marL="0" indent="0">
@@ -8747,23 +8798,14 @@
               <a:defRPr/>
             </a:pPr>
             <a:r>
-              <a:rPr lang="en-US" altLang="ko-KR" sz="1200" dirty="0">
+              <a:rPr lang="en-US" altLang="ko-KR" sz="1200">
                 <a:latin typeface="+mn-ea"/>
               </a:rPr>
-              <a:t>    삭제를 원치 않을 경우 ‘0’을 눌러 </a:t>
-            </a:r>
-            <a:r>
-              <a:rPr lang="en-US" altLang="ko-KR" sz="1200" dirty="0" err="1">
-                <a:latin typeface="+mn-ea"/>
-              </a:rPr>
-              <a:t>종료</a:t>
-            </a:r>
-            <a:r>
-              <a:rPr lang="en-US" altLang="ko-KR" sz="1200" dirty="0">
-                <a:latin typeface="+mn-ea"/>
-              </a:rPr>
-              <a:t> </a:t>
-            </a:r>
+              <a:t>    삭제를 원치 않을 경우 ‘0’을 눌러 종료 </a:t>
+            </a:r>
+            <a:endParaRPr lang="en-US" altLang="ko-KR" sz="1200">
+              <a:latin typeface="+mn-ea"/>
+            </a:endParaRPr>
           </a:p>
         </p:txBody>
       </p:sp>
@@ -8801,8 +8843,10 @@
         </p:nvPicPr>
         <p:blipFill rotWithShape="1">
           <a:blip r:embed="rId3"/>
-          <a:srcRect l="1485" t="6502" r="707"/>
-          <a:stretch/>
+          <a:srcRect l="1490" t="6500" r="710"/>
+          <a:stretch>
+            <a:fillRect/>
+          </a:stretch>
         </p:blipFill>
         <p:spPr>
           <a:xfrm>
@@ -8816,13 +8860,7 @@
       </p:pic>
       <p:pic>
         <p:nvPicPr>
-          <p:cNvPr id="4" name="Object 1" descr="preencoded.png">
-            <a:extLst>
-              <a:ext uri="{FF2B5EF4-FFF2-40B4-BE49-F238E27FC236}">
-                <a16:creationId xmlns:a16="http://schemas.microsoft.com/office/drawing/2014/main" id="{6FC4ED30-179B-1541-E9EB-C8685CBB7EF5}"/>
-              </a:ext>
-            </a:extLst>
-          </p:cNvPr>
+          <p:cNvPr id="4" name="Object 1" descr="preencoded.png"/>
           <p:cNvPicPr>
             <a:picLocks noChangeAspect="1"/>
           </p:cNvPicPr>
@@ -8830,8 +8868,10 @@
         </p:nvPicPr>
         <p:blipFill rotWithShape="1">
           <a:blip r:embed="rId4"/>
-          <a:srcRect t="73201" b="22070"/>
-          <a:stretch/>
+          <a:srcRect t="73200" b="22070"/>
+          <a:stretch>
+            <a:fillRect/>
+          </a:stretch>
         </p:blipFill>
         <p:spPr>
           <a:xfrm>
@@ -8845,13 +8885,7 @@
       </p:pic>
       <p:sp>
         <p:nvSpPr>
-          <p:cNvPr id="5" name="TextBox 4">
-            <a:extLst>
-              <a:ext uri="{FF2B5EF4-FFF2-40B4-BE49-F238E27FC236}">
-                <a16:creationId xmlns:a16="http://schemas.microsoft.com/office/drawing/2014/main" id="{25A437D4-A8F6-B54C-6203-0181D49A5C68}"/>
-              </a:ext>
-            </a:extLst>
-          </p:cNvPr>
+          <p:cNvPr id="5" name="TextBox 4"/>
           <p:cNvSpPr txBox="1"/>
           <p:nvPr/>
         </p:nvSpPr>
@@ -8866,60 +8900,62 @@
           <a:noFill/>
         </p:spPr>
         <p:txBody>
-          <a:bodyPr wrap="square" rtlCol="0">
+          <a:bodyPr wrap="square">
             <a:spAutoFit/>
           </a:bodyPr>
           <a:lstStyle/>
           <a:p>
-            <a:r>
-              <a:rPr lang="ko-KR" altLang="en-US" sz="4000" b="1" dirty="0">
+            <a:pPr lvl="0">
+              <a:defRPr/>
+            </a:pPr>
+            <a:r>
+              <a:rPr lang="ko-KR" altLang="en-US" sz="4000" b="1">
                 <a:solidFill>
-                  <a:srgbClr val="51B56B"/>
+                  <a:srgbClr val="51b56b"/>
                 </a:solidFill>
               </a:rPr>
               <a:t> </a:t>
             </a:r>
-            <a:endParaRPr lang="en-US" altLang="ko-KR" sz="4000" b="1" dirty="0">
+            <a:endParaRPr lang="ko-KR" altLang="en-US" sz="4000" b="1">
               <a:solidFill>
-                <a:srgbClr val="51B56B"/>
+                <a:srgbClr val="51b56b"/>
               </a:solidFill>
             </a:endParaRPr>
           </a:p>
           <a:p>
-            <a:r>
-              <a:rPr lang="ko-KR" altLang="en-US" sz="2400" b="1" dirty="0">
+            <a:pPr lvl="0">
+              <a:defRPr/>
+            </a:pPr>
+            <a:r>
+              <a:rPr lang="ko-KR" altLang="en-US" sz="2400" b="1">
                 <a:solidFill>
-                  <a:srgbClr val="51B56B"/>
+                  <a:srgbClr val="51b56b"/>
                 </a:solidFill>
               </a:rPr>
               <a:t>관리자 </a:t>
             </a:r>
             <a:r>
-              <a:rPr lang="ko-KR" altLang="en-US" sz="2000" b="1" dirty="0"/>
+              <a:rPr lang="ko-KR" altLang="en-US" sz="2000" b="1"/>
               <a:t>회원 삭제</a:t>
             </a:r>
-            <a:endParaRPr lang="ko-KR" altLang="en-US" sz="2400" dirty="0"/>
+            <a:endParaRPr lang="ko-KR" altLang="en-US" sz="2400"/>
           </a:p>
         </p:txBody>
       </p:sp>
       <p:pic>
         <p:nvPicPr>
-          <p:cNvPr id="6" name="Object 1" descr="preencoded.png">
-            <a:extLst>
-              <a:ext uri="{FF2B5EF4-FFF2-40B4-BE49-F238E27FC236}">
-                <a16:creationId xmlns:a16="http://schemas.microsoft.com/office/drawing/2014/main" id="{31ACAED6-ECDF-1042-C03D-DE9F7AC226DC}"/>
-              </a:ext>
-            </a:extLst>
-          </p:cNvPr>
+          <p:cNvPr id="6" name="Object 1" descr="preencoded.png"/>
           <p:cNvPicPr>
             <a:picLocks noChangeAspect="1"/>
           </p:cNvPicPr>
           <p:nvPr/>
         </p:nvPicPr>
         <p:blipFill rotWithShape="1">
-          <a:blip r:embed="rId4"/>
-          <a:srcRect t="73201" b="22070"/>
-          <a:stretch/>
+          <a:blip r:embed="rId5"/>
+          <a:srcRect t="73200" b="22070"/>
+          <a:stretch>
+            <a:fillRect/>
+          </a:stretch>
         </p:blipFill>
         <p:spPr>
           <a:xfrm>
@@ -8933,13 +8969,7 @@
       </p:pic>
       <p:sp>
         <p:nvSpPr>
-          <p:cNvPr id="2" name="TextBox 1">
-            <a:extLst>
-              <a:ext uri="{FF2B5EF4-FFF2-40B4-BE49-F238E27FC236}">
-                <a16:creationId xmlns:a16="http://schemas.microsoft.com/office/drawing/2014/main" id="{88B35479-04FF-AE9D-E83F-BE31F1EE722F}"/>
-              </a:ext>
-            </a:extLst>
-          </p:cNvPr>
+          <p:cNvPr id="2" name="TextBox 1"/>
           <p:cNvSpPr txBox="1"/>
           <p:nvPr/>
         </p:nvSpPr>
@@ -8954,7 +8984,7 @@
           <a:noFill/>
         </p:spPr>
         <p:txBody>
-          <a:bodyPr wrap="square" rtlCol="0">
+          <a:bodyPr wrap="square">
             <a:spAutoFit/>
           </a:bodyPr>
           <a:lstStyle/>
@@ -8963,68 +8993,54 @@
               <a:lnSpc>
                 <a:spcPct val="150000"/>
               </a:lnSpc>
-            </a:pPr>
-            <a:endParaRPr lang="en-US" altLang="ko-KR" sz="1400" b="1" dirty="0"/>
+              <a:defRPr/>
+            </a:pPr>
+            <a:endParaRPr lang="en-US" altLang="ko-KR" sz="1400" b="1"/>
           </a:p>
           <a:p>
             <a:pPr>
               <a:lnSpc>
                 <a:spcPct val="150000"/>
               </a:lnSpc>
-            </a:pPr>
-            <a:r>
-              <a:rPr lang="en-US" altLang="ko-KR" sz="1400" dirty="0"/>
-              <a:t>1. </a:t>
-            </a:r>
-            <a:r>
-              <a:rPr lang="en-US" altLang="ko-KR" sz="1400" dirty="0" err="1"/>
-              <a:t>HioMemberDeleteController</a:t>
-            </a:r>
-            <a:endParaRPr lang="en-US" altLang="ko-KR" sz="1400" dirty="0"/>
+              <a:defRPr/>
+            </a:pPr>
+            <a:r>
+              <a:rPr lang="en-US" altLang="ko-KR" sz="1400"/>
+              <a:t>1. HioMemberDeleteController</a:t>
+            </a:r>
+            <a:endParaRPr lang="en-US" altLang="ko-KR" sz="1400"/>
           </a:p>
           <a:p>
             <a:pPr>
               <a:lnSpc>
                 <a:spcPct val="150000"/>
               </a:lnSpc>
-            </a:pPr>
-            <a:r>
-              <a:rPr lang="en-US" altLang="ko-KR" sz="1400" dirty="0"/>
-              <a:t>2. </a:t>
-            </a:r>
-            <a:r>
-              <a:rPr lang="en-US" altLang="ko-KR" sz="1400" dirty="0" err="1"/>
-              <a:t>HioMemberDeleteService</a:t>
-            </a:r>
-            <a:endParaRPr lang="en-US" altLang="ko-KR" sz="1400" dirty="0"/>
+              <a:defRPr/>
+            </a:pPr>
+            <a:r>
+              <a:rPr lang="en-US" altLang="ko-KR" sz="1400"/>
+              <a:t>2. HioMemberDeleteService</a:t>
+            </a:r>
+            <a:endParaRPr lang="en-US" altLang="ko-KR" sz="1400"/>
           </a:p>
           <a:p>
             <a:pPr>
               <a:lnSpc>
                 <a:spcPct val="150000"/>
               </a:lnSpc>
-            </a:pPr>
-            <a:r>
-              <a:rPr lang="en-US" altLang="ko-KR" sz="1400" dirty="0"/>
-              <a:t>3. </a:t>
-            </a:r>
-            <a:r>
-              <a:rPr lang="en-US" altLang="ko-KR" sz="1400" dirty="0" err="1"/>
-              <a:t>HioMemberDeleteDao</a:t>
-            </a:r>
-            <a:endParaRPr lang="en-US" altLang="ko-KR" sz="1400" dirty="0"/>
+              <a:defRPr/>
+            </a:pPr>
+            <a:r>
+              <a:rPr lang="en-US" altLang="ko-KR" sz="1400"/>
+              <a:t>3. HioMemberDeleteDao</a:t>
+            </a:r>
+            <a:endParaRPr lang="en-US" altLang="ko-KR" sz="1400"/>
           </a:p>
         </p:txBody>
       </p:sp>
       <p:sp>
         <p:nvSpPr>
-          <p:cNvPr id="3" name="TextBox 2">
-            <a:extLst>
-              <a:ext uri="{FF2B5EF4-FFF2-40B4-BE49-F238E27FC236}">
-                <a16:creationId xmlns:a16="http://schemas.microsoft.com/office/drawing/2014/main" id="{E605907C-1B60-627A-B5EA-271035C1BEF3}"/>
-              </a:ext>
-            </a:extLst>
-          </p:cNvPr>
+          <p:cNvPr id="3" name="TextBox 2"/>
           <p:cNvSpPr txBox="1"/>
           <p:nvPr/>
         </p:nvSpPr>
@@ -9039,7 +9055,7 @@
           <a:noFill/>
         </p:spPr>
         <p:txBody>
-          <a:bodyPr wrap="square" rtlCol="0">
+          <a:bodyPr wrap="square">
             <a:spAutoFit/>
           </a:bodyPr>
           <a:lstStyle/>
@@ -9048,32 +9064,38 @@
               <a:lnSpc>
                 <a:spcPct val="150000"/>
               </a:lnSpc>
-            </a:pPr>
-            <a:r>
-              <a:rPr lang="en-US" altLang="ko-KR" sz="1600" b="1" dirty="0"/>
+              <a:defRPr/>
+            </a:pPr>
+            <a:r>
+              <a:rPr lang="en-US" altLang="ko-KR" sz="1600" b="1"/>
               <a:t>1. HioMemeberDeleteController.java</a:t>
             </a:r>
+            <a:endParaRPr lang="en-US" altLang="ko-KR" sz="1600" b="1"/>
           </a:p>
           <a:p>
             <a:pPr>
               <a:lnSpc>
                 <a:spcPct val="150000"/>
               </a:lnSpc>
-            </a:pPr>
-            <a:endParaRPr lang="ko-KR" altLang="en-US" b="1" dirty="0"/>
+              <a:defRPr/>
+            </a:pPr>
+            <a:endParaRPr lang="ko-KR" altLang="en-US" b="1"/>
           </a:p>
         </p:txBody>
       </p:sp>
     </p:spTree>
-    <p:extLst>
-      <p:ext uri="{BB962C8B-B14F-4D97-AF65-F5344CB8AC3E}">
-        <p14:creationId xmlns:p14="http://schemas.microsoft.com/office/powerpoint/2010/main" val="702430968"/>
-      </p:ext>
-    </p:extLst>
   </p:cSld>
   <p:clrMapOvr>
     <a:masterClrMapping/>
   </p:clrMapOvr>
+  <mc:AlternateContent xmlns:mc="http://schemas.openxmlformats.org/markup-compatibility/2006">
+    <mc:Choice xmlns:p14="http://schemas.microsoft.com/office/powerpoint/2010/main" Requires="p14">
+      <p:transition xmlns:mc="http://schemas.openxmlformats.org/markup-compatibility/2006" xmlns:p14="http://schemas.microsoft.com/office/powerpoint/2010/main" mc:Ignorable="p14" p14:dur="500"/>
+    </mc:Choice>
+    <mc:Fallback>
+      <p:transition/>
+    </mc:Fallback>
+  </mc:AlternateContent>
 </p:sld>
 </file>
 
@@ -13789,44 +13811,44 @@
 </file>
 
 <file path=ppt/theme/theme1.xml><?xml version="1.0" encoding="utf-8"?>
-<a:theme xmlns:a="http://schemas.openxmlformats.org/drawingml/2006/main" name="Office 테마">
+<a:theme xmlns:r="http://schemas.openxmlformats.org/officeDocument/2006/relationships" xmlns:c="http://schemas.openxmlformats.org/drawingml/2006/chart" xmlns:dgm="http://schemas.openxmlformats.org/drawingml/2006/diagram" xmlns:dsp="http://schemas.microsoft.com/office/drawing/2008/diagram" xmlns:a="http://schemas.openxmlformats.org/drawingml/2006/main" xmlns:pic="http://schemas.openxmlformats.org/drawingml/2006/picture" xmlns:wp="http://schemas.openxmlformats.org/drawingml/2006/wordprocessingDrawing" xmlns:xdr="http://schemas.openxmlformats.org/drawingml/2006/spreadsheetDrawing" xmlns:lc="http://schemas.openxmlformats.org/drawingml/2006/lockedCanvas" xmlns:p="http://schemas.openxmlformats.org/presentationml/2006/main" name="Office 테마">
   <a:themeElements>
     <a:clrScheme name="Office">
       <a:dk1>
         <a:sysClr val="windowText" lastClr="000000"/>
       </a:dk1>
       <a:lt1>
-        <a:sysClr val="window" lastClr="FFFFFF"/>
+        <a:sysClr val="window" lastClr="ffffff"/>
       </a:lt1>
       <a:dk2>
-        <a:srgbClr val="44546A"/>
+        <a:srgbClr val="44546a"/>
       </a:dk2>
       <a:lt2>
-        <a:srgbClr val="E7E6E6"/>
+        <a:srgbClr val="e7e6e6"/>
       </a:lt2>
       <a:accent1>
-        <a:srgbClr val="4472C4"/>
+        <a:srgbClr val="4472c4"/>
       </a:accent1>
       <a:accent2>
-        <a:srgbClr val="ED7D31"/>
+        <a:srgbClr val="ed7d31"/>
       </a:accent2>
       <a:accent3>
-        <a:srgbClr val="A5A5A5"/>
+        <a:srgbClr val="a5a5a5"/>
       </a:accent3>
       <a:accent4>
-        <a:srgbClr val="FFC000"/>
+        <a:srgbClr val="ffc000"/>
       </a:accent4>
       <a:accent5>
-        <a:srgbClr val="5B9BD5"/>
+        <a:srgbClr val="5b9bd5"/>
       </a:accent5>
       <a:accent6>
-        <a:srgbClr val="70AD47"/>
+        <a:srgbClr val="70ad47"/>
       </a:accent6>
       <a:hlink>
-        <a:srgbClr val="0563C1"/>
+        <a:srgbClr val="0563c1"/>
       </a:hlink>
       <a:folHlink>
-        <a:srgbClr val="954F72"/>
+        <a:srgbClr val="954f72"/>
       </a:folHlink>
     </a:clrScheme>
     <a:fontScheme name="Office">
@@ -13834,7 +13856,7 @@
         <a:latin typeface="맑은 고딕" panose="020F0302020204030204"/>
         <a:ea typeface=""/>
         <a:cs typeface=""/>
-        <a:font script="Jpan" typeface="游ゴシック Light"/>
+        <a:font script="Jpan" typeface="Yu Gothic Light"/>
         <a:font script="Hang" typeface="맑은 고딕"/>
         <a:font script="Hans" typeface="等线 Light"/>
         <a:font script="Hant" typeface="新細明體"/>
@@ -13886,7 +13908,7 @@
         <a:latin typeface="맑은 고딕" panose="020F0502020204030204"/>
         <a:ea typeface=""/>
         <a:cs typeface=""/>
-        <a:font script="Jpan" typeface="游ゴシック"/>
+        <a:font script="Jpan" typeface="Yu Gothic"/>
         <a:font script="Hang" typeface="맑은 고딕"/>
         <a:font script="Hans" typeface="等线"/>
         <a:font script="Hant" typeface="新細明體"/>
@@ -13999,21 +14021,21 @@
             <a:schemeClr val="phClr"/>
           </a:solidFill>
           <a:prstDash val="solid"/>
-          <a:miter lim="800000"/>
+          <a:miter/>
         </a:ln>
         <a:ln w="12700" cap="flat" cmpd="sng" algn="ctr">
           <a:solidFill>
             <a:schemeClr val="phClr"/>
           </a:solidFill>
           <a:prstDash val="solid"/>
-          <a:miter lim="800000"/>
+          <a:miter/>
         </a:ln>
         <a:ln w="19050" cap="flat" cmpd="sng" algn="ctr">
           <a:solidFill>
             <a:schemeClr val="phClr"/>
           </a:solidFill>
           <a:prstDash val="solid"/>
-          <a:miter lim="800000"/>
+          <a:miter/>
         </a:ln>
       </a:lnStyleLst>
       <a:effectStyleLst>
@@ -14073,55 +14095,48 @@
       </a:bgFillStyleLst>
     </a:fmtScheme>
   </a:themeElements>
-  <a:objectDefaults/>
-  <a:extraClrSchemeLst/>
-  <a:extLst>
-    <a:ext uri="{05A4C25C-085E-4340-85A3-A5531E510DB2}">
-      <thm15:themeFamily xmlns:thm15="http://schemas.microsoft.com/office/thememl/2012/main" name="Office Theme" id="{62F939B6-93AF-4DB8-9C6B-D6C7DFDC589F}" vid="{4A3C46E8-61CC-4603-A589-7422A47A8E4A}"/>
-    </a:ext>
-  </a:extLst>
 </a:theme>
 </file>
 
 <file path=ppt/theme/theme2.xml><?xml version="1.0" encoding="utf-8"?>
-<a:theme xmlns:a="http://schemas.openxmlformats.org/drawingml/2006/main" name="Office 테마">
+<a:theme xmlns:r="http://schemas.openxmlformats.org/officeDocument/2006/relationships" xmlns:c="http://schemas.openxmlformats.org/drawingml/2006/chart" xmlns:dgm="http://schemas.openxmlformats.org/drawingml/2006/diagram" xmlns:dsp="http://schemas.microsoft.com/office/drawing/2008/diagram" xmlns:a="http://schemas.openxmlformats.org/drawingml/2006/main" xmlns:pic="http://schemas.openxmlformats.org/drawingml/2006/picture" xmlns:wp="http://schemas.openxmlformats.org/drawingml/2006/wordprocessingDrawing" xmlns:xdr="http://schemas.openxmlformats.org/drawingml/2006/spreadsheetDrawing" xmlns:lc="http://schemas.openxmlformats.org/drawingml/2006/lockedCanvas" xmlns:p="http://schemas.openxmlformats.org/presentationml/2006/main" name="Office 테마">
   <a:themeElements>
     <a:clrScheme name="Office">
       <a:dk1>
         <a:sysClr val="windowText" lastClr="000000"/>
       </a:dk1>
       <a:lt1>
-        <a:sysClr val="window" lastClr="FFFFFF"/>
+        <a:sysClr val="window" lastClr="ffffff"/>
       </a:lt1>
       <a:dk2>
-        <a:srgbClr val="44546A"/>
+        <a:srgbClr val="44546a"/>
       </a:dk2>
       <a:lt2>
-        <a:srgbClr val="E7E6E6"/>
+        <a:srgbClr val="e7e6e6"/>
       </a:lt2>
       <a:accent1>
-        <a:srgbClr val="5B9BD5"/>
+        <a:srgbClr val="5b9bd5"/>
       </a:accent1>
       <a:accent2>
-        <a:srgbClr val="ED7D31"/>
+        <a:srgbClr val="ed7d31"/>
       </a:accent2>
       <a:accent3>
-        <a:srgbClr val="A5A5A5"/>
+        <a:srgbClr val="a5a5a5"/>
       </a:accent3>
       <a:accent4>
-        <a:srgbClr val="FFC000"/>
+        <a:srgbClr val="ffc000"/>
       </a:accent4>
       <a:accent5>
-        <a:srgbClr val="4472C4"/>
+        <a:srgbClr val="4472c4"/>
       </a:accent5>
       <a:accent6>
-        <a:srgbClr val="70AD47"/>
+        <a:srgbClr val="70ad47"/>
       </a:accent6>
       <a:hlink>
-        <a:srgbClr val="0563C1"/>
+        <a:srgbClr val="0563c1"/>
       </a:hlink>
       <a:folHlink>
-        <a:srgbClr val="954F72"/>
+        <a:srgbClr val="954f72"/>
       </a:folHlink>
     </a:clrScheme>
     <a:fontScheme name="Office">
@@ -14129,7 +14144,7 @@
         <a:latin typeface="맑은 고딕" panose="020F0302020204030204"/>
         <a:ea typeface=""/>
         <a:cs typeface=""/>
-        <a:font script="Jpan" typeface="游ゴシック Light"/>
+        <a:font script="Jpan" typeface="Yu Gothic Light"/>
         <a:font script="Hang" typeface="맑은 고딕"/>
         <a:font script="Hans" typeface="等线 Light"/>
         <a:font script="Hant" typeface="新細明體"/>
@@ -14164,7 +14179,7 @@
         <a:latin typeface="맑은 고딕" panose="020F0502020204030204"/>
         <a:ea typeface=""/>
         <a:cs typeface=""/>
-        <a:font script="Jpan" typeface="游ゴシック"/>
+        <a:font script="Jpan" typeface="Yu Gothic"/>
         <a:font script="Hang" typeface="맑은 고딕"/>
         <a:font script="Hans" typeface="等线"/>
         <a:font script="Hant" typeface="新細明體"/>
@@ -14260,21 +14275,21 @@
             <a:schemeClr val="phClr"/>
           </a:solidFill>
           <a:prstDash val="solid"/>
-          <a:miter lim="800000"/>
+          <a:miter/>
         </a:ln>
         <a:ln w="12700" cap="flat" cmpd="sng" algn="ctr">
           <a:solidFill>
             <a:schemeClr val="phClr"/>
           </a:solidFill>
           <a:prstDash val="solid"/>
-          <a:miter lim="800000"/>
+          <a:miter/>
         </a:ln>
         <a:ln w="19050" cap="flat" cmpd="sng" algn="ctr">
           <a:solidFill>
             <a:schemeClr val="phClr"/>
           </a:solidFill>
           <a:prstDash val="solid"/>
-          <a:miter lim="800000"/>
+          <a:miter/>
         </a:ln>
       </a:lnStyleLst>
       <a:effectStyleLst>
@@ -14334,12 +14349,5 @@
       </a:bgFillStyleLst>
     </a:fmtScheme>
   </a:themeElements>
-  <a:objectDefaults/>
-  <a:extraClrSchemeLst/>
-  <a:extLst>
-    <a:ext uri="{05A4C25C-085E-4340-85A3-A5531E510DB2}">
-      <thm15:themeFamily xmlns:thm15="http://schemas.microsoft.com/office/thememl/2012/main" name="Office Theme" id="{62F939B6-93AF-4DB8-9C6B-D6C7DFDC589F}" vid="{4A3C46E8-61CC-4603-A589-7422A47A8E4A}"/>
-    </a:ext>
-  </a:extLst>
 </a:theme>
 </file>
--- a/ppt/원팀 발표자료 20201027.pptx
+++ b/ppt/원팀 발표자료 20201027.pptx
@@ -1,34 +1,34 @@
 
 <file path=ppt/presentation.xml><?xml version="1.0" encoding="utf-8"?>
-<p:presentation xmlns:r="http://schemas.openxmlformats.org/officeDocument/2006/relationships" xmlns:c="http://schemas.openxmlformats.org/drawingml/2006/chart" xmlns:a="http://schemas.openxmlformats.org/drawingml/2006/main" xmlns:dgm="http://schemas.openxmlformats.org/drawingml/2006/diagram" xmlns:dsp="http://schemas.microsoft.com/office/drawing/2008/diagram" xmlns:p="http://schemas.openxmlformats.org/presentationml/2006/main">
+<p:presentation xmlns:a="http://schemas.openxmlformats.org/drawingml/2006/main" xmlns:r="http://schemas.openxmlformats.org/officeDocument/2006/relationships" xmlns:p="http://schemas.openxmlformats.org/presentationml/2006/main" saveSubsetFonts="1">
   <p:sldMasterIdLst>
-    <p:sldMasterId id="2147483660" r:id="rId1"/>
+    <p:sldMasterId id="2147483648" r:id="rId1"/>
   </p:sldMasterIdLst>
   <p:notesMasterIdLst>
-    <p:notesMasterId r:id="rId2"/>
+    <p:notesMasterId r:id="rId23"/>
   </p:notesMasterIdLst>
   <p:sldIdLst>
-    <p:sldId id="256" r:id="rId3"/>
-    <p:sldId id="257" r:id="rId4"/>
-    <p:sldId id="258" r:id="rId5"/>
-    <p:sldId id="259" r:id="rId6"/>
-    <p:sldId id="260" r:id="rId7"/>
-    <p:sldId id="261" r:id="rId8"/>
-    <p:sldId id="262" r:id="rId9"/>
-    <p:sldId id="263" r:id="rId10"/>
-    <p:sldId id="264" r:id="rId11"/>
-    <p:sldId id="265" r:id="rId12"/>
-    <p:sldId id="266" r:id="rId13"/>
-    <p:sldId id="267" r:id="rId14"/>
-    <p:sldId id="268" r:id="rId15"/>
-    <p:sldId id="269" r:id="rId16"/>
-    <p:sldId id="270" r:id="rId17"/>
-    <p:sldId id="271" r:id="rId18"/>
-    <p:sldId id="272" r:id="rId19"/>
+    <p:sldId id="257" r:id="rId2"/>
+    <p:sldId id="258" r:id="rId3"/>
+    <p:sldId id="263" r:id="rId4"/>
+    <p:sldId id="271" r:id="rId5"/>
+    <p:sldId id="266" r:id="rId6"/>
+    <p:sldId id="288" r:id="rId7"/>
+    <p:sldId id="277" r:id="rId8"/>
+    <p:sldId id="278" r:id="rId9"/>
+    <p:sldId id="279" r:id="rId10"/>
+    <p:sldId id="280" r:id="rId11"/>
+    <p:sldId id="281" r:id="rId12"/>
+    <p:sldId id="284" r:id="rId13"/>
+    <p:sldId id="285" r:id="rId14"/>
+    <p:sldId id="292" r:id="rId15"/>
+    <p:sldId id="287" r:id="rId16"/>
+    <p:sldId id="282" r:id="rId17"/>
+    <p:sldId id="283" r:id="rId18"/>
+    <p:sldId id="289" r:id="rId19"/>
     <p:sldId id="273" r:id="rId20"/>
-    <p:sldId id="274" r:id="rId21"/>
-    <p:sldId id="275" r:id="rId22"/>
-    <p:sldId id="276" r:id="rId23"/>
+    <p:sldId id="291" r:id="rId21"/>
+    <p:sldId id="265" r:id="rId22"/>
   </p:sldIdLst>
   <p:sldSz cx="12192000" cy="6858000"/>
   <p:notesSz cx="6858000" cy="9144000"/>
@@ -127,11 +127,16 @@
       </a:defRPr>
     </a:lvl9pPr>
   </p:defaultTextStyle>
+  <p:extLst>
+    <p:ext uri="{EFAFB233-063F-42B5-8137-9DF3F51BA10A}">
+      <p15:sldGuideLst xmlns:p15="http://schemas.microsoft.com/office/powerpoint/2012/main"/>
+    </p:ext>
+  </p:extLst>
 </p:presentation>
 </file>
 
 <file path=ppt/notesMasters/notesMaster1.xml><?xml version="1.0" encoding="utf-8"?>
-<p:notesMaster xmlns:r="http://schemas.openxmlformats.org/officeDocument/2006/relationships" xmlns:c="http://schemas.openxmlformats.org/drawingml/2006/chart" xmlns:a="http://schemas.openxmlformats.org/drawingml/2006/main" xmlns:dgm="http://schemas.openxmlformats.org/drawingml/2006/diagram" xmlns:dsp="http://schemas.microsoft.com/office/drawing/2008/diagram" xmlns:p="http://schemas.openxmlformats.org/presentationml/2006/main">
+<p:notesMaster xmlns:a="http://schemas.openxmlformats.org/drawingml/2006/main" xmlns:r="http://schemas.openxmlformats.org/officeDocument/2006/relationships" xmlns:p="http://schemas.openxmlformats.org/presentationml/2006/main">
   <p:cSld>
     <p:bg>
       <p:bgRef idx="1001">
@@ -159,7 +164,7 @@
             <a:spLocks noGrp="1"/>
           </p:cNvSpPr>
           <p:nvPr>
-            <p:ph type="hdr" sz="quarter" idx="0"/>
+            <p:ph type="hdr" sz="quarter"/>
           </p:nvPr>
         </p:nvSpPr>
         <p:spPr>
@@ -172,21 +177,14 @@
           </a:prstGeom>
         </p:spPr>
         <p:txBody>
-          <a:bodyPr vert="horz" lIns="91440" tIns="45720" rIns="91440" bIns="45720"/>
+          <a:bodyPr vert="horz" lIns="91440" tIns="45720" rIns="91440" bIns="45720" rtlCol="0"/>
           <a:lstStyle>
             <a:lvl1pPr algn="l">
               <a:defRPr sz="1200"/>
             </a:lvl1pPr>
           </a:lstStyle>
           <a:p>
-            <a:pPr lvl="0">
-              <a:defRPr/>
-            </a:pPr>
-            <a:r>
-              <a:rPr lang="ko-KR" altLang="en-US"/>
-              <a:t/>
-            </a:r>
-            <a:endParaRPr lang="ko-KR" altLang="en-US"/>
+            <a:endParaRPr lang="ko-KR" altLang="en-US" dirty="0"/>
           </a:p>
         </p:txBody>
       </p:sp>
@@ -210,24 +208,18 @@
           </a:prstGeom>
         </p:spPr>
         <p:txBody>
-          <a:bodyPr vert="horz" lIns="91440" tIns="45720" rIns="91440" bIns="45720"/>
+          <a:bodyPr vert="horz" lIns="91440" tIns="45720" rIns="91440" bIns="45720" rtlCol="0"/>
           <a:lstStyle>
             <a:lvl1pPr algn="r">
               <a:defRPr sz="1200"/>
             </a:lvl1pPr>
           </a:lstStyle>
           <a:p>
-            <a:pPr lvl="0">
-              <a:defRPr/>
-            </a:pPr>
-            <a:fld id="{03C5E245-44B4-4AB5-B9FE-EBAF05CDB16F}" type="datetime1">
-              <a:rPr lang="ko-KR" altLang="en-US"/>
-              <a:pPr lvl="0">
-                <a:defRPr/>
-              </a:pPr>
+            <a:fld id="{03C5E245-44B4-4AB5-B9FE-EBAF05CDB16F}" type="datetimeFigureOut">
+              <a:rPr lang="ko-KR" altLang="en-US" smtClean="0"/>
               <a:t>2022-10-27</a:t>
             </a:fld>
-            <a:endParaRPr lang="ko-KR" altLang="en-US"/>
+            <a:endParaRPr lang="ko-KR" altLang="en-US" dirty="0"/>
           </a:p>
         </p:txBody>
       </p:sp>
@@ -235,7 +227,7 @@
         <p:nvSpPr>
           <p:cNvPr id="4" name="슬라이드 이미지 개체 틀 3"/>
           <p:cNvSpPr>
-            <a:spLocks noGrp="1" noRot="1" noChangeAspect="1" noTextEdit="1"/>
+            <a:spLocks noGrp="1" noRot="1" noChangeAspect="1"/>
           </p:cNvSpPr>
           <p:nvPr>
             <p:ph type="sldImg" idx="2"/>
@@ -257,13 +249,10 @@
           </a:ln>
         </p:spPr>
         <p:txBody>
-          <a:bodyPr vert="horz" lIns="91440" tIns="45720" rIns="91440" bIns="45720" anchor="ctr"/>
+          <a:bodyPr vert="horz" lIns="91440" tIns="45720" rIns="91440" bIns="45720" rtlCol="0" anchor="ctr"/>
           <a:lstStyle/>
           <a:p>
-            <a:pPr lvl="0">
-              <a:defRPr/>
-            </a:pPr>
-            <a:endParaRPr lang="ko-KR" altLang="en-US"/>
+            <a:endParaRPr lang="ko-KR" altLang="en-US" dirty="0"/>
           </a:p>
         </p:txBody>
       </p:sp>
@@ -287,57 +276,42 @@
           </a:prstGeom>
         </p:spPr>
         <p:txBody>
-          <a:bodyPr vert="horz" lIns="91440" tIns="45720" rIns="91440" bIns="45720"/>
+          <a:bodyPr vert="horz" lIns="91440" tIns="45720" rIns="91440" bIns="45720" rtlCol="0"/>
           <a:lstStyle/>
           <a:p>
-            <a:pPr lvl="0">
-              <a:defRPr/>
-            </a:pPr>
+            <a:pPr lvl="0"/>
             <a:r>
               <a:rPr lang="ko-KR" altLang="en-US"/>
               <a:t>마스터 텍스트 스타일 편집</a:t>
             </a:r>
-            <a:endParaRPr lang="ko-KR" altLang="en-US"/>
-          </a:p>
-          <a:p>
-            <a:pPr lvl="1">
-              <a:defRPr/>
-            </a:pPr>
+          </a:p>
+          <a:p>
+            <a:pPr lvl="1"/>
             <a:r>
               <a:rPr lang="ko-KR" altLang="en-US"/>
               <a:t>둘째 수준</a:t>
             </a:r>
-            <a:endParaRPr lang="ko-KR" altLang="en-US"/>
-          </a:p>
-          <a:p>
-            <a:pPr lvl="2">
-              <a:defRPr/>
-            </a:pPr>
+          </a:p>
+          <a:p>
+            <a:pPr lvl="2"/>
             <a:r>
               <a:rPr lang="ko-KR" altLang="en-US"/>
               <a:t>셋째 수준</a:t>
             </a:r>
-            <a:endParaRPr lang="ko-KR" altLang="en-US"/>
-          </a:p>
-          <a:p>
-            <a:pPr lvl="3">
-              <a:defRPr/>
-            </a:pPr>
+          </a:p>
+          <a:p>
+            <a:pPr lvl="3"/>
             <a:r>
               <a:rPr lang="ko-KR" altLang="en-US"/>
               <a:t>넷째 수준</a:t>
             </a:r>
-            <a:endParaRPr lang="ko-KR" altLang="en-US"/>
-          </a:p>
-          <a:p>
-            <a:pPr lvl="4">
-              <a:defRPr/>
-            </a:pPr>
+          </a:p>
+          <a:p>
+            <a:pPr lvl="4"/>
             <a:r>
               <a:rPr lang="ko-KR" altLang="en-US"/>
               <a:t>다섯째 수준</a:t>
             </a:r>
-            <a:endParaRPr lang="ko-KR" altLang="en-US"/>
           </a:p>
         </p:txBody>
       </p:sp>
@@ -361,21 +335,14 @@
           </a:prstGeom>
         </p:spPr>
         <p:txBody>
-          <a:bodyPr vert="horz" lIns="91440" tIns="45720" rIns="91440" bIns="45720" anchor="b"/>
+          <a:bodyPr vert="horz" lIns="91440" tIns="45720" rIns="91440" bIns="45720" rtlCol="0" anchor="b"/>
           <a:lstStyle>
             <a:lvl1pPr algn="l">
               <a:defRPr sz="1200"/>
             </a:lvl1pPr>
           </a:lstStyle>
           <a:p>
-            <a:pPr lvl="0">
-              <a:defRPr/>
-            </a:pPr>
-            <a:r>
-              <a:rPr lang="ko-KR" altLang="en-US"/>
-              <a:t/>
-            </a:r>
-            <a:endParaRPr lang="ko-KR" altLang="en-US"/>
+            <a:endParaRPr lang="ko-KR" altLang="en-US" dirty="0"/>
           </a:p>
         </p:txBody>
       </p:sp>
@@ -399,31 +366,29 @@
           </a:prstGeom>
         </p:spPr>
         <p:txBody>
-          <a:bodyPr vert="horz" lIns="91440" tIns="45720" rIns="91440" bIns="45720" anchor="b"/>
+          <a:bodyPr vert="horz" lIns="91440" tIns="45720" rIns="91440" bIns="45720" rtlCol="0" anchor="b"/>
           <a:lstStyle>
             <a:lvl1pPr algn="r">
               <a:defRPr sz="1200"/>
             </a:lvl1pPr>
           </a:lstStyle>
           <a:p>
-            <a:pPr lvl="0">
-              <a:defRPr/>
-            </a:pPr>
             <a:fld id="{16B12EC9-77ED-4391-A30F-EE56312B8E3A}" type="slidenum">
-              <a:rPr lang="ko-KR" altLang="en-US"/>
-              <a:pPr lvl="0">
-                <a:defRPr/>
-              </a:pPr>
+              <a:rPr lang="ko-KR" altLang="en-US" smtClean="0"/>
               <a:t>‹#›</a:t>
             </a:fld>
-            <a:endParaRPr lang="ko-KR" altLang="en-US"/>
+            <a:endParaRPr lang="ko-KR" altLang="en-US" dirty="0"/>
           </a:p>
         </p:txBody>
       </p:sp>
     </p:spTree>
+    <p:extLst>
+      <p:ext uri="{BB962C8B-B14F-4D97-AF65-F5344CB8AC3E}">
+        <p14:creationId xmlns:p14="http://schemas.microsoft.com/office/powerpoint/2010/main" val="824992053"/>
+      </p:ext>
+    </p:extLst>
   </p:cSld>
   <p:clrMap bg1="lt1" tx1="dk1" bg2="lt2" tx2="dk2" accent1="accent1" accent2="accent2" accent3="accent3" accent4="accent4" accent5="accent5" accent6="accent6" hlink="hlink" folHlink="folHlink"/>
-  <p:hf hdr="0" ftr="0" dt="0"/>
   <p:notesStyle>
     <a:lvl1pPr marL="0" algn="l" defTabSz="914400" rtl="0" eaLnBrk="1" latinLnBrk="1" hangingPunct="1">
       <a:defRPr sz="1200" kern="1200">
@@ -4306,7 +4271,7 @@
         <p:spPr>
           <a:xfrm>
             <a:off x="180427" y="-185435"/>
-            <a:ext cx="5684687" cy="1077218"/>
+            <a:ext cx="6378315" cy="1077218"/>
           </a:xfrm>
           <a:prstGeom prst="rect">
             <a:avLst/>
@@ -4344,9 +4309,25 @@
             </a:r>
             <a:r>
               <a:rPr lang="ko-KR" altLang="en-US" sz="2000" b="1" dirty="0"/>
-              <a:t>예약 가능 여부 확인</a:t>
-            </a:r>
-            <a:endParaRPr lang="ko-KR" altLang="en-US" sz="2400" dirty="0">
+              <a:t>예약 가능 여부 </a:t>
+            </a:r>
+            <a:r>
+              <a:rPr lang="ko-KR" altLang="en-US" sz="2000" b="1" dirty="0" smtClean="0"/>
+              <a:t>확인 </a:t>
+            </a:r>
+            <a:r>
+              <a:rPr lang="en-US" altLang="ko-KR" sz="1600" b="1" dirty="0" smtClean="0"/>
+              <a:t>(</a:t>
+            </a:r>
+            <a:r>
+              <a:rPr lang="en-US" altLang="ko-KR" sz="1600" b="1" dirty="0" err="1" smtClean="0"/>
+              <a:t>HioHallReservChkController</a:t>
+            </a:r>
+            <a:r>
+              <a:rPr lang="en-US" altLang="ko-KR" sz="1600" b="1" dirty="0" smtClean="0"/>
+              <a:t>)</a:t>
+            </a:r>
+            <a:endParaRPr lang="ko-KR" altLang="en-US" sz="1600" dirty="0">
               <a:solidFill>
                 <a:srgbClr val="51B56B"/>
               </a:solidFill>
@@ -4404,7 +4385,7 @@
         <p:spPr>
           <a:xfrm>
             <a:off x="7071993" y="402810"/>
-            <a:ext cx="4649478" cy="3380605"/>
+            <a:ext cx="4917180" cy="3416320"/>
           </a:xfrm>
           <a:prstGeom prst="rect">
             <a:avLst/>
@@ -4424,7 +4405,19 @@
             </a:pPr>
             <a:r>
               <a:rPr lang="ko-KR" altLang="en-US" sz="1200" b="1" dirty="0"/>
-              <a:t>타석 테이블에서 예약가능 한 타석 확인</a:t>
+              <a:t>타석 테이블에서 예약가능 한 타석 </a:t>
+            </a:r>
+            <a:r>
+              <a:rPr lang="ko-KR" altLang="en-US" sz="1200" b="1" dirty="0" smtClean="0"/>
+              <a:t>확인</a:t>
+            </a:r>
+            <a:r>
+              <a:rPr lang="en-US" altLang="ko-KR" sz="1200" b="1" dirty="0"/>
+              <a:t>	</a:t>
+            </a:r>
+            <a:r>
+              <a:rPr lang="en-US" altLang="ko-KR" sz="1200" b="1" dirty="0" smtClean="0"/>
+              <a:t>- HALL SELECT</a:t>
             </a:r>
             <a:endParaRPr lang="en-US" altLang="ko-KR" sz="1200" b="1" dirty="0"/>
           </a:p>
@@ -4466,7 +4459,15 @@
             </a:pPr>
             <a:r>
               <a:rPr lang="ko-KR" altLang="en-US" sz="1200" b="1" dirty="0"/>
-              <a:t>타석 테이블에서 특정 타석의 이용시간 조회</a:t>
+              <a:t>타석 테이블에서 특정 타석의 이용시간 </a:t>
+            </a:r>
+            <a:r>
+              <a:rPr lang="ko-KR" altLang="en-US" sz="1200" b="1" dirty="0" smtClean="0"/>
+              <a:t>조회 </a:t>
+            </a:r>
+            <a:r>
+              <a:rPr lang="en-US" altLang="ko-KR" sz="1200" b="1" dirty="0" smtClean="0"/>
+              <a:t>– HALL SELECT</a:t>
             </a:r>
             <a:endParaRPr lang="en-US" altLang="ko-KR" sz="1200" b="1" dirty="0"/>
           </a:p>
@@ -4497,7 +4498,23 @@
             </a:pPr>
             <a:r>
               <a:rPr lang="ko-KR" altLang="en-US" sz="1200" b="1" dirty="0"/>
-              <a:t>예약 테이블에서 해당 타석에 대한 예약 내역 조회</a:t>
+              <a:t>예약 테이블에서 해당 </a:t>
+            </a:r>
+            <a:r>
+              <a:rPr lang="ko-KR" altLang="en-US" sz="1200" b="1" dirty="0" smtClean="0"/>
+              <a:t>타석 </a:t>
+            </a:r>
+            <a:r>
+              <a:rPr lang="ko-KR" altLang="en-US" sz="1200" b="1" dirty="0"/>
+              <a:t>예약 내역 </a:t>
+            </a:r>
+            <a:r>
+              <a:rPr lang="ko-KR" altLang="en-US" sz="1200" b="1" dirty="0" smtClean="0"/>
+              <a:t>조회 </a:t>
+            </a:r>
+            <a:r>
+              <a:rPr lang="en-US" altLang="ko-KR" sz="1200" b="1" dirty="0" smtClean="0"/>
+              <a:t>– RESERVATION SELECT</a:t>
             </a:r>
             <a:endParaRPr lang="en-US" altLang="ko-KR" sz="1200" b="1" dirty="0"/>
           </a:p>
@@ -4535,8 +4552,12 @@
               <a:t>for</a:t>
             </a:r>
             <a:r>
-              <a:rPr lang="ko-KR" altLang="en-US" sz="1200" b="1" dirty="0"/>
+              <a:rPr lang="ko-KR" altLang="en-US" sz="1200" b="1" dirty="0" smtClean="0"/>
               <a:t>문</a:t>
+            </a:r>
+            <a:r>
+              <a:rPr lang="en-US" altLang="ko-KR" sz="1200" b="1" dirty="0"/>
+              <a:t/>
             </a:r>
             <a:br>
               <a:rPr lang="en-US" altLang="ko-KR" sz="1200" b="1" dirty="0"/>
@@ -4724,9 +4745,25 @@
             </a:r>
             <a:r>
               <a:rPr lang="ko-KR" altLang="en-US" sz="2000" b="1" dirty="0"/>
-              <a:t>타석 예약</a:t>
-            </a:r>
-            <a:endParaRPr lang="ko-KR" altLang="en-US" sz="2400" dirty="0"/>
+              <a:t>타석 </a:t>
+            </a:r>
+            <a:r>
+              <a:rPr lang="ko-KR" altLang="en-US" sz="2000" b="1" dirty="0" smtClean="0"/>
+              <a:t>예약 </a:t>
+            </a:r>
+            <a:r>
+              <a:rPr lang="en-US" altLang="ko-KR" sz="1600" b="1" dirty="0" smtClean="0"/>
+              <a:t>(</a:t>
+            </a:r>
+            <a:r>
+              <a:rPr lang="en-US" altLang="ko-KR" sz="1600" b="1" dirty="0" err="1" smtClean="0"/>
+              <a:t>HioReservInsertController</a:t>
+            </a:r>
+            <a:r>
+              <a:rPr lang="en-US" altLang="ko-KR" sz="1600" b="1" dirty="0" smtClean="0"/>
+              <a:t>)</a:t>
+            </a:r>
+            <a:endParaRPr lang="ko-KR" altLang="en-US" sz="1600" dirty="0"/>
           </a:p>
         </p:txBody>
       </p:sp>
@@ -6063,8 +6100,8 @@
         </p:nvGrpSpPr>
         <p:grpSpPr>
           <a:xfrm>
-            <a:off x="3666914" y="3144119"/>
-            <a:ext cx="2602268" cy="2778242"/>
+            <a:off x="1079790" y="3748303"/>
+            <a:ext cx="2434792" cy="2599311"/>
             <a:chOff x="3356230" y="2965141"/>
             <a:chExt cx="2912951" cy="2938041"/>
           </a:xfrm>
@@ -6153,8 +6190,8 @@
         </p:nvSpPr>
         <p:spPr>
           <a:xfrm>
-            <a:off x="6654140" y="701108"/>
-            <a:ext cx="5684687" cy="1164614"/>
+            <a:off x="910549" y="1016786"/>
+            <a:ext cx="5684687" cy="2731517"/>
           </a:xfrm>
           <a:prstGeom prst="rect">
             <a:avLst/>
@@ -6169,49 +6206,87 @@
           <a:p>
             <a:pPr>
               <a:lnSpc>
-                <a:spcPct val="150000"/>
+                <a:spcPct val="200000"/>
               </a:lnSpc>
             </a:pPr>
             <a:r>
-              <a:rPr lang="en-US" altLang="ko-KR" sz="1200" b="1" dirty="0"/>
-              <a:t>1. HioHallDeleteController.java</a:t>
-            </a:r>
+              <a:rPr lang="ko-KR" altLang="en-US" sz="1200" b="1" dirty="0" smtClean="0"/>
+              <a:t>예약 테이블 확인 후 특정 타석에 대한 예약 내역 조회 </a:t>
+            </a:r>
+            <a:endParaRPr lang="en-US" altLang="ko-KR" sz="1200" b="1" dirty="0"/>
           </a:p>
           <a:p>
             <a:pPr>
               <a:lnSpc>
-                <a:spcPct val="150000"/>
+                <a:spcPct val="200000"/>
               </a:lnSpc>
             </a:pPr>
             <a:r>
-              <a:rPr lang="ko-KR" altLang="en-US" sz="1200" b="1" dirty="0"/>
-              <a:t>타석 취소 안내 </a:t>
-            </a:r>
-            <a:endParaRPr lang="en-US" altLang="ko-KR" sz="1200" b="1" dirty="0"/>
+              <a:rPr lang="ko-KR" altLang="en-US" sz="1200" b="1" dirty="0" smtClean="0"/>
+              <a:t>취소할 </a:t>
+            </a:r>
+            <a:r>
+              <a:rPr lang="ko-KR" altLang="en-US" sz="1200" b="1" dirty="0" smtClean="0"/>
+              <a:t>타석 정보를 받아 해당 내용 삭제 </a:t>
+            </a:r>
+            <a:endParaRPr lang="en-US" altLang="ko-KR" sz="1200" b="1" dirty="0" smtClean="0"/>
           </a:p>
           <a:p>
             <a:pPr>
               <a:lnSpc>
-                <a:spcPct val="150000"/>
+                <a:spcPct val="200000"/>
               </a:lnSpc>
             </a:pPr>
-            <a:r>
-              <a:rPr lang="ko-KR" altLang="en-US" sz="1200" b="1" dirty="0"/>
-              <a:t>예약 테이블에서 취소 가능한 타석 확인 </a:t>
-            </a:r>
-            <a:endParaRPr lang="en-US" altLang="ko-KR" sz="1200" b="1" dirty="0"/>
-          </a:p>
-          <a:p>
-            <a:pPr>
-              <a:lnSpc>
-                <a:spcPct val="150000"/>
-              </a:lnSpc>
-            </a:pPr>
-            <a:r>
-              <a:rPr lang="ko-KR" altLang="en-US" sz="1200" b="1" dirty="0"/>
-              <a:t>취소할 타석 입력 </a:t>
-            </a:r>
-            <a:endParaRPr lang="en-US" altLang="ko-KR" sz="1200" b="1" dirty="0"/>
+            <a:endParaRPr lang="en-US" altLang="ko-KR" sz="1200" b="1" dirty="0" smtClean="0"/>
+          </a:p>
+          <a:p>
+            <a:r>
+              <a:rPr lang="en-US" altLang="ko-KR" sz="1100" b="1" dirty="0" smtClean="0"/>
+              <a:t>Public List&lt;HioMemeber&gt; selectReservno(Connection conn)</a:t>
+            </a:r>
+          </a:p>
+          <a:p>
+            <a:r>
+              <a:rPr lang="en-US" altLang="ko-KR" sz="1100" dirty="0" smtClean="0"/>
+              <a:t>select * from reservation WHERE memberno=? ORDER BY reservno</a:t>
+            </a:r>
+          </a:p>
+          <a:p>
+            <a:endParaRPr lang="en-US" altLang="ko-KR" sz="1200" dirty="0"/>
+          </a:p>
+          <a:p>
+            <a:r>
+              <a:rPr lang="en-US" altLang="ko-KR" sz="1050" b="1" dirty="0" smtClean="0"/>
+              <a:t>Public &lt;HioMemeber&gt; selectByReservno(Connection conn, int reservNo )</a:t>
+            </a:r>
+          </a:p>
+          <a:p>
+            <a:r>
+              <a:rPr lang="en-US" altLang="ko-KR" sz="1050" dirty="0" smtClean="0"/>
+              <a:t>select * from reservation where reservNo=?</a:t>
+            </a:r>
+          </a:p>
+          <a:p>
+            <a:endParaRPr lang="en-US" altLang="ko-KR" sz="1200" dirty="0" smtClean="0"/>
+          </a:p>
+          <a:p>
+            <a:r>
+              <a:rPr lang="en-US" altLang="ko-KR" sz="1100" b="1" dirty="0" smtClean="0"/>
+              <a:t>Public int hallDelete(Connection conn, int reservNo) </a:t>
+            </a:r>
+          </a:p>
+          <a:p>
+            <a:r>
+              <a:rPr lang="en-US" altLang="ko-KR" sz="1050" dirty="0" smtClean="0"/>
+              <a:t>delete from reservatipn where reservno=?</a:t>
+            </a:r>
+          </a:p>
+          <a:p>
+            <a:r>
+              <a:rPr lang="ko-KR" altLang="en-US" sz="1100" dirty="0" smtClean="0"/>
+              <a:t> </a:t>
+            </a:r>
+            <a:endParaRPr lang="en-US" altLang="ko-KR" sz="1100" dirty="0"/>
           </a:p>
         </p:txBody>
       </p:sp>
@@ -6231,8 +6306,8 @@
         </p:blipFill>
         <p:spPr>
           <a:xfrm>
-            <a:off x="180427" y="2117673"/>
-            <a:ext cx="3286957" cy="4051845"/>
+            <a:off x="6118615" y="880514"/>
+            <a:ext cx="4440618" cy="5473968"/>
           </a:xfrm>
           <a:prstGeom prst="rect">
             <a:avLst/>
@@ -6385,359 +6460,10 @@
           </a:p>
         </p:txBody>
       </p:sp>
-      <p:sp>
-        <p:nvSpPr>
-          <p:cNvPr id="6" name="TextBox 5">
-            <a:extLst>
-              <a:ext uri="{FF2B5EF4-FFF2-40B4-BE49-F238E27FC236}">
-                <a16:creationId xmlns:a16="http://schemas.microsoft.com/office/drawing/2014/main" id="{E81722B3-865C-7E3B-C748-89356850A2EA}"/>
-              </a:ext>
-            </a:extLst>
-          </p:cNvPr>
-          <p:cNvSpPr txBox="1"/>
-          <p:nvPr/>
-        </p:nvSpPr>
-        <p:spPr>
-          <a:xfrm>
-            <a:off x="2944092" y="161347"/>
-            <a:ext cx="3325090" cy="1343381"/>
-          </a:xfrm>
-          <a:prstGeom prst="rect">
-            <a:avLst/>
-          </a:prstGeom>
-          <a:noFill/>
-        </p:spPr>
-        <p:txBody>
-          <a:bodyPr wrap="square" rtlCol="0">
-            <a:spAutoFit/>
-          </a:bodyPr>
-          <a:lstStyle/>
-          <a:p>
-            <a:pPr>
-              <a:lnSpc>
-                <a:spcPct val="150000"/>
-              </a:lnSpc>
-            </a:pPr>
-            <a:endParaRPr lang="en-US" altLang="ko-KR" sz="1400" b="1" dirty="0"/>
-          </a:p>
-          <a:p>
-            <a:pPr>
-              <a:lnSpc>
-                <a:spcPct val="150000"/>
-              </a:lnSpc>
-            </a:pPr>
-            <a:r>
-              <a:rPr lang="en-US" altLang="ko-KR" sz="1400" dirty="0"/>
-              <a:t>1. </a:t>
-            </a:r>
-            <a:r>
-              <a:rPr lang="en-US" altLang="ko-KR" sz="1400" dirty="0" err="1"/>
-              <a:t>HioHallDeleteController</a:t>
-            </a:r>
-            <a:endParaRPr lang="en-US" altLang="ko-KR" sz="1400" dirty="0"/>
-          </a:p>
-          <a:p>
-            <a:pPr>
-              <a:lnSpc>
-                <a:spcPct val="150000"/>
-              </a:lnSpc>
-            </a:pPr>
-            <a:r>
-              <a:rPr lang="en-US" altLang="ko-KR" sz="1400" dirty="0"/>
-              <a:t>2. </a:t>
-            </a:r>
-            <a:r>
-              <a:rPr lang="en-US" altLang="ko-KR" sz="1400" dirty="0" err="1"/>
-              <a:t>HioHallDeleteService</a:t>
-            </a:r>
-            <a:endParaRPr lang="en-US" altLang="ko-KR" sz="1400" dirty="0"/>
-          </a:p>
-          <a:p>
-            <a:pPr>
-              <a:lnSpc>
-                <a:spcPct val="150000"/>
-              </a:lnSpc>
-            </a:pPr>
-            <a:r>
-              <a:rPr lang="en-US" altLang="ko-KR" sz="1400" dirty="0"/>
-              <a:t>3. </a:t>
-            </a:r>
-            <a:r>
-              <a:rPr lang="en-US" altLang="ko-KR" sz="1400" dirty="0" err="1"/>
-              <a:t>HioHallDeleteDao</a:t>
-            </a:r>
-            <a:endParaRPr lang="en-US" altLang="ko-KR" sz="1400" dirty="0"/>
-          </a:p>
-        </p:txBody>
-      </p:sp>
-      <p:sp>
-        <p:nvSpPr>
-          <p:cNvPr id="12" name="TextBox 11">
-            <a:extLst>
-              <a:ext uri="{FF2B5EF4-FFF2-40B4-BE49-F238E27FC236}">
-                <a16:creationId xmlns:a16="http://schemas.microsoft.com/office/drawing/2014/main" id="{0EE8809B-7BA6-46E4-6132-1B5DB96918A7}"/>
-              </a:ext>
-            </a:extLst>
-          </p:cNvPr>
-          <p:cNvSpPr txBox="1"/>
-          <p:nvPr/>
-        </p:nvSpPr>
-        <p:spPr>
-          <a:xfrm>
-            <a:off x="6629718" y="4070309"/>
-            <a:ext cx="8671845" cy="2369880"/>
-          </a:xfrm>
-          <a:prstGeom prst="rect">
-            <a:avLst/>
-          </a:prstGeom>
-          <a:noFill/>
-        </p:spPr>
-        <p:txBody>
-          <a:bodyPr wrap="square" rtlCol="0">
-            <a:spAutoFit/>
-          </a:bodyPr>
-          <a:lstStyle/>
-          <a:p>
-            <a:endParaRPr lang="en-US" altLang="ko-KR" sz="1600" b="1" dirty="0"/>
-          </a:p>
-          <a:p>
-            <a:r>
-              <a:rPr lang="en-US" altLang="ko-KR" sz="1200" b="1" dirty="0"/>
-              <a:t>3. HioHallDeleteDao.java</a:t>
-            </a:r>
-          </a:p>
-          <a:p>
-            <a:endParaRPr lang="en-US" altLang="ko-KR" sz="1600" b="1" dirty="0"/>
-          </a:p>
-          <a:p>
-            <a:r>
-              <a:rPr lang="en-US" altLang="ko-KR" sz="1100" b="1" dirty="0"/>
-              <a:t>Public List&lt;HioMemeber&gt; selectReservno(Connection conn)</a:t>
-            </a:r>
-          </a:p>
-          <a:p>
-            <a:r>
-              <a:rPr lang="ko-KR" altLang="en-US" sz="1050" dirty="0"/>
-              <a:t>실행 쿼리문 </a:t>
-            </a:r>
-            <a:r>
-              <a:rPr lang="en-US" altLang="ko-KR" sz="1050" dirty="0"/>
-              <a:t>: </a:t>
-            </a:r>
-            <a:r>
-              <a:rPr lang="en-US" altLang="ko-KR" sz="1100" dirty="0"/>
-              <a:t>select * from reservation WHERE memberno=? ORDER BY reservno</a:t>
-            </a:r>
-          </a:p>
-          <a:p>
-            <a:endParaRPr lang="en-US" altLang="ko-KR" sz="1100" dirty="0"/>
-          </a:p>
-          <a:p>
-            <a:r>
-              <a:rPr lang="en-US" altLang="ko-KR" sz="1100" b="1" dirty="0"/>
-              <a:t>Public &lt;HioMemeber&gt; selectReservno(Connection conn, int reservNo )</a:t>
-            </a:r>
-          </a:p>
-          <a:p>
-            <a:r>
-              <a:rPr lang="ko-KR" altLang="en-US" sz="1050" dirty="0"/>
-              <a:t>실행 쿼리문 </a:t>
-            </a:r>
-            <a:r>
-              <a:rPr lang="en-US" altLang="ko-KR" sz="1050" dirty="0"/>
-              <a:t>: </a:t>
-            </a:r>
-            <a:r>
-              <a:rPr lang="en-US" altLang="ko-KR" sz="1100" dirty="0"/>
-              <a:t>select * from reservation where reservNo=?</a:t>
-            </a:r>
-          </a:p>
-          <a:p>
-            <a:endParaRPr lang="en-US" altLang="ko-KR" sz="1100" b="1" dirty="0"/>
-          </a:p>
-          <a:p>
-            <a:r>
-              <a:rPr lang="en-US" altLang="ko-KR" sz="1100" b="1" dirty="0"/>
-              <a:t>Public int hallDelete(Connection conn, int reservNo) </a:t>
-            </a:r>
-          </a:p>
-          <a:p>
-            <a:r>
-              <a:rPr lang="ko-KR" altLang="en-US" sz="1050" dirty="0"/>
-              <a:t>실행 쿼리문 </a:t>
-            </a:r>
-            <a:r>
-              <a:rPr lang="en-US" altLang="ko-KR" sz="1050" dirty="0"/>
-              <a:t>: delete from reservatipn where reservno=?</a:t>
-            </a:r>
-          </a:p>
-          <a:p>
-            <a:endParaRPr lang="ko-KR" altLang="en-US" sz="1200" dirty="0"/>
-          </a:p>
-        </p:txBody>
-      </p:sp>
-      <p:sp>
-        <p:nvSpPr>
-          <p:cNvPr id="13" name="TextBox 12">
-            <a:extLst>
-              <a:ext uri="{FF2B5EF4-FFF2-40B4-BE49-F238E27FC236}">
-                <a16:creationId xmlns:a16="http://schemas.microsoft.com/office/drawing/2014/main" id="{DAE75E4B-33D7-6C95-7F0B-2FC5512883C6}"/>
-              </a:ext>
-            </a:extLst>
-          </p:cNvPr>
-          <p:cNvSpPr txBox="1"/>
-          <p:nvPr/>
-        </p:nvSpPr>
-        <p:spPr>
-          <a:xfrm>
-            <a:off x="6654140" y="1969612"/>
-            <a:ext cx="9318643" cy="2598788"/>
-          </a:xfrm>
-          <a:prstGeom prst="rect">
-            <a:avLst/>
-          </a:prstGeom>
-          <a:noFill/>
-        </p:spPr>
-        <p:txBody>
-          <a:bodyPr wrap="square" rtlCol="0">
-            <a:spAutoFit/>
-          </a:bodyPr>
-          <a:lstStyle/>
-          <a:p>
-            <a:pPr>
-              <a:lnSpc>
-                <a:spcPct val="150000"/>
-              </a:lnSpc>
-            </a:pPr>
-            <a:r>
-              <a:rPr lang="en-US" altLang="ko-KR" sz="1100" b="1" dirty="0"/>
-              <a:t>2. HioHallDeleteService.java</a:t>
-            </a:r>
-            <a:endParaRPr lang="en-US" altLang="ko-KR" sz="1100" dirty="0"/>
-          </a:p>
-          <a:p>
-            <a:pPr>
-              <a:lnSpc>
-                <a:spcPct val="150000"/>
-              </a:lnSpc>
-            </a:pPr>
-            <a:r>
-              <a:rPr lang="en-US" altLang="ko-KR" sz="1100" dirty="0"/>
-              <a:t>List&lt;HioMember&gt;getReservationList</a:t>
-            </a:r>
-          </a:p>
-          <a:p>
-            <a:pPr>
-              <a:lnSpc>
-                <a:spcPct val="150000"/>
-              </a:lnSpc>
-            </a:pPr>
-            <a:r>
-              <a:rPr lang="ko-KR" altLang="en-US" sz="1100" dirty="0"/>
-              <a:t>삭제할 예약번호</a:t>
-            </a:r>
-            <a:r>
-              <a:rPr lang="en-US" altLang="ko-KR" sz="1100" dirty="0"/>
-              <a:t>(reservNo)</a:t>
-            </a:r>
-            <a:r>
-              <a:rPr lang="ko-KR" altLang="en-US" sz="1100" dirty="0"/>
-              <a:t>를 매개변수로 받아 </a:t>
-            </a:r>
-            <a:r>
-              <a:rPr lang="en-US" altLang="ko-KR" sz="1100" dirty="0"/>
-              <a:t>DAO </a:t>
-            </a:r>
-            <a:r>
-              <a:rPr lang="ko-KR" altLang="en-US" sz="1100" dirty="0"/>
-              <a:t>클래스에 전달</a:t>
-            </a:r>
-            <a:endParaRPr lang="en-US" altLang="ko-KR" sz="1100" dirty="0"/>
-          </a:p>
-          <a:p>
-            <a:pPr>
-              <a:lnSpc>
-                <a:spcPct val="150000"/>
-              </a:lnSpc>
-            </a:pPr>
-            <a:r>
-              <a:rPr lang="en-US" altLang="ko-KR" sz="1100" dirty="0"/>
-              <a:t>reservation </a:t>
-            </a:r>
-            <a:r>
-              <a:rPr lang="ko-KR" altLang="en-US" sz="1100" dirty="0"/>
-              <a:t>테이블에서 해당 타석을 삭제하고 </a:t>
-            </a:r>
-            <a:r>
-              <a:rPr lang="ko-KR" altLang="en-US" sz="1100" dirty="0" err="1"/>
-              <a:t>반환값을</a:t>
-            </a:r>
-            <a:r>
-              <a:rPr lang="ko-KR" altLang="en-US" sz="1100" dirty="0"/>
-              <a:t> 받음</a:t>
-            </a:r>
-            <a:endParaRPr lang="en-US" altLang="ko-KR" sz="1100" dirty="0"/>
-          </a:p>
-          <a:p>
-            <a:pPr>
-              <a:lnSpc>
-                <a:spcPct val="150000"/>
-              </a:lnSpc>
-            </a:pPr>
-            <a:endParaRPr lang="en-US" altLang="ko-KR" sz="1100" dirty="0"/>
-          </a:p>
-          <a:p>
-            <a:pPr>
-              <a:lnSpc>
-                <a:spcPct val="150000"/>
-              </a:lnSpc>
-            </a:pPr>
-            <a:r>
-              <a:rPr lang="en-US" altLang="ko-KR" sz="1100" dirty="0"/>
-              <a:t>HioMember hallSelectToDelete(int reservNo)</a:t>
-            </a:r>
-          </a:p>
-          <a:p>
-            <a:pPr>
-              <a:lnSpc>
-                <a:spcPct val="150000"/>
-              </a:lnSpc>
-            </a:pPr>
-            <a:endParaRPr lang="en-US" altLang="ko-KR" sz="1100" dirty="0"/>
-          </a:p>
-          <a:p>
-            <a:pPr>
-              <a:lnSpc>
-                <a:spcPct val="150000"/>
-              </a:lnSpc>
-            </a:pPr>
-            <a:r>
-              <a:rPr lang="en-US" altLang="ko-KR" sz="1100" dirty="0"/>
-              <a:t>Int hallDelete(int reservNO)</a:t>
-            </a:r>
-          </a:p>
-          <a:p>
-            <a:pPr>
-              <a:lnSpc>
-                <a:spcPct val="150000"/>
-              </a:lnSpc>
-            </a:pPr>
-            <a:endParaRPr lang="en-US" altLang="ko-KR" sz="1100" dirty="0"/>
-          </a:p>
-          <a:p>
-            <a:pPr>
-              <a:lnSpc>
-                <a:spcPct val="150000"/>
-              </a:lnSpc>
-            </a:pPr>
-            <a:endParaRPr lang="ko-KR" altLang="en-US" sz="1100" dirty="0"/>
-          </a:p>
-        </p:txBody>
-      </p:sp>
     </p:spTree>
     <p:extLst>
       <p:ext uri="{BB962C8B-B14F-4D97-AF65-F5344CB8AC3E}">
-        <p14:creationId xmlns:p14="http://schemas.microsoft.com/office/powerpoint/2010/main" val="4290540371"/>
+        <p14:creationId xmlns:p14="http://schemas.microsoft.com/office/powerpoint/2010/main" val="1510982060"/>
       </p:ext>
     </p:extLst>
   </p:cSld>
@@ -7424,7 +7150,7 @@
         <p:spPr>
           <a:xfrm>
             <a:off x="180427" y="-185435"/>
-            <a:ext cx="7144933" cy="1077218"/>
+            <a:ext cx="8109198" cy="1077218"/>
           </a:xfrm>
           <a:prstGeom prst="rect">
             <a:avLst/>
@@ -7466,19 +7192,23 @@
             </a:r>
             <a:r>
               <a:rPr lang="ko-KR" altLang="en-US" sz="2000" b="1" dirty="0"/>
-              <a:t>타석 관리 </a:t>
-            </a:r>
-            <a:r>
-              <a:rPr lang="ko-KR" altLang="en-US" sz="1400" dirty="0"/>
-              <a:t>타석 추가</a:t>
-            </a:r>
-            <a:r>
-              <a:rPr lang="en-US" altLang="ko-KR" sz="1400" dirty="0"/>
-              <a:t>, </a:t>
-            </a:r>
-            <a:r>
-              <a:rPr lang="ko-KR" altLang="en-US" sz="1400" dirty="0"/>
-              <a:t>예약가능 여부변경</a:t>
+              <a:t>타석 </a:t>
+            </a:r>
+            <a:r>
+              <a:rPr lang="ko-KR" altLang="en-US" sz="2000" b="1" dirty="0" smtClean="0"/>
+              <a:t>관리 </a:t>
+            </a:r>
+            <a:r>
+              <a:rPr lang="en-US" altLang="ko-KR" sz="1600" b="1" dirty="0" smtClean="0"/>
+              <a:t>(</a:t>
+            </a:r>
+            <a:r>
+              <a:rPr lang="en-US" altLang="ko-KR" sz="1600" b="1" dirty="0" err="1" smtClean="0"/>
+              <a:t>HioHallAdminController</a:t>
+            </a:r>
+            <a:r>
+              <a:rPr lang="en-US" altLang="ko-KR" sz="1600" b="1" dirty="0" smtClean="0"/>
+              <a:t>)</a:t>
             </a:r>
             <a:endParaRPr lang="ko-KR" altLang="en-US" sz="2400" dirty="0"/>
           </a:p>
@@ -7699,7 +7429,7 @@
         <p:spPr>
           <a:xfrm>
             <a:off x="8289625" y="1200479"/>
-            <a:ext cx="3782010" cy="3380605"/>
+            <a:ext cx="3782010" cy="3970318"/>
           </a:xfrm>
           <a:prstGeom prst="rect">
             <a:avLst/>
@@ -7718,21 +7448,104 @@
               </a:lnSpc>
             </a:pPr>
             <a:r>
+              <a:rPr lang="ko-KR" altLang="en-US" sz="1200" b="1" dirty="0" err="1"/>
+              <a:t>타석추가</a:t>
+            </a:r>
+            <a:r>
               <a:rPr lang="ko-KR" altLang="en-US" sz="1200" b="1" dirty="0"/>
-              <a:t>타석추가 </a:t>
-            </a:r>
-            <a:r>
-              <a:rPr lang="en-US" altLang="ko-KR" sz="1200" b="1" dirty="0"/>
+              <a:t> </a:t>
+            </a:r>
+            <a:endParaRPr lang="en-US" altLang="ko-KR" sz="1200" b="1" dirty="0" smtClean="0"/>
+          </a:p>
+          <a:p>
+            <a:pPr>
+              <a:lnSpc>
+                <a:spcPct val="150000"/>
+              </a:lnSpc>
+            </a:pPr>
+            <a:r>
+              <a:rPr lang="en-US" altLang="ko-KR" sz="1200" b="1" dirty="0" smtClean="0"/>
               <a:t>HALL </a:t>
             </a:r>
             <a:r>
-              <a:rPr lang="ko-KR" altLang="en-US" sz="1200" b="1" dirty="0"/>
+              <a:rPr lang="ko-KR" altLang="en-US" sz="1200" b="1" dirty="0" smtClean="0"/>
+              <a:t>테이블 </a:t>
+            </a:r>
+            <a:r>
+              <a:rPr lang="en-US" altLang="ko-KR" sz="1200" b="1" dirty="0" smtClean="0"/>
+              <a:t>&gt;</a:t>
+            </a:r>
+            <a:r>
+              <a:rPr lang="ko-KR" altLang="en-US" sz="1200" b="1" dirty="0" smtClean="0"/>
+              <a:t> </a:t>
+            </a:r>
+            <a:r>
+              <a:rPr lang="en-US" altLang="ko-KR" sz="1200" b="1" dirty="0" smtClean="0"/>
+              <a:t>Insert</a:t>
+            </a:r>
+          </a:p>
+          <a:p>
+            <a:pPr>
+              <a:lnSpc>
+                <a:spcPct val="150000"/>
+              </a:lnSpc>
+            </a:pPr>
+            <a:r>
+              <a:rPr lang="ko-KR" altLang="en-US" sz="1200" b="1" dirty="0" smtClean="0"/>
+              <a:t>입력된 값을 </a:t>
+            </a:r>
+            <a:r>
+              <a:rPr lang="en-US" altLang="ko-KR" sz="1200" b="1" dirty="0" smtClean="0"/>
+              <a:t>HALL </a:t>
+            </a:r>
+            <a:r>
+              <a:rPr lang="ko-KR" altLang="en-US" sz="1200" b="1" dirty="0" smtClean="0"/>
               <a:t>테이블에 </a:t>
             </a:r>
             <a:r>
-              <a:rPr lang="en-US" altLang="ko-KR" sz="1200" b="1" dirty="0"/>
+              <a:rPr lang="en-US" altLang="ko-KR" sz="1200" b="1" dirty="0" smtClean="0"/>
               <a:t>Insert</a:t>
             </a:r>
+          </a:p>
+          <a:p>
+            <a:pPr>
+              <a:lnSpc>
+                <a:spcPct val="150000"/>
+              </a:lnSpc>
+            </a:pPr>
+            <a:r>
+              <a:rPr lang="en-US" altLang="ko-KR" sz="1200" b="1" dirty="0" smtClean="0"/>
+              <a:t>(</a:t>
+            </a:r>
+            <a:r>
+              <a:rPr lang="en-US" altLang="ko-KR" sz="1200" b="1" dirty="0" err="1" smtClean="0"/>
+              <a:t>hallno</a:t>
+            </a:r>
+            <a:r>
+              <a:rPr lang="ko-KR" altLang="en-US" sz="1200" b="1" dirty="0" smtClean="0"/>
+              <a:t>은 </a:t>
+            </a:r>
+            <a:r>
+              <a:rPr lang="en-US" altLang="ko-KR" sz="1200" b="1" dirty="0" smtClean="0"/>
+              <a:t>MAX(</a:t>
+            </a:r>
+            <a:r>
+              <a:rPr lang="en-US" altLang="ko-KR" sz="1200" b="1" dirty="0" err="1" smtClean="0"/>
+              <a:t>hallno</a:t>
+            </a:r>
+            <a:r>
+              <a:rPr lang="en-US" altLang="ko-KR" sz="1200" b="1" dirty="0" smtClean="0"/>
+              <a:t>)+1</a:t>
+            </a:r>
+            <a:r>
+              <a:rPr lang="ko-KR" altLang="en-US" sz="1200" b="1" dirty="0" smtClean="0"/>
+              <a:t>로 최대값 </a:t>
+            </a:r>
+            <a:r>
+              <a:rPr lang="en-US" altLang="ko-KR" sz="1200" b="1" dirty="0" smtClean="0"/>
+              <a:t>+1)</a:t>
+            </a:r>
+            <a:endParaRPr lang="en-US" altLang="ko-KR" sz="1200" b="1" dirty="0"/>
           </a:p>
           <a:p>
             <a:pPr>
@@ -7778,33 +7591,33 @@
                 <a:spcPct val="150000"/>
               </a:lnSpc>
             </a:pPr>
-            <a:endParaRPr lang="en-US" altLang="ko-KR" sz="1200" dirty="0"/>
-          </a:p>
-          <a:p>
-            <a:pPr>
-              <a:lnSpc>
-                <a:spcPct val="150000"/>
-              </a:lnSpc>
-            </a:pPr>
-            <a:endParaRPr lang="en-US" altLang="ko-KR" sz="1200" dirty="0"/>
-          </a:p>
-          <a:p>
-            <a:pPr>
-              <a:lnSpc>
-                <a:spcPct val="150000"/>
-              </a:lnSpc>
-            </a:pPr>
             <a:r>
               <a:rPr lang="ko-KR" altLang="en-US" sz="1200" b="1" dirty="0"/>
               <a:t>예약가능여부 변경 </a:t>
             </a:r>
-            <a:r>
-              <a:rPr lang="en-US" altLang="ko-KR" sz="1200" b="1" dirty="0"/>
+            <a:endParaRPr lang="en-US" altLang="ko-KR" sz="1200" b="1" dirty="0" smtClean="0"/>
+          </a:p>
+          <a:p>
+            <a:pPr>
+              <a:lnSpc>
+                <a:spcPct val="150000"/>
+              </a:lnSpc>
+            </a:pPr>
+            <a:r>
+              <a:rPr lang="en-US" altLang="ko-KR" sz="1200" b="1" dirty="0" smtClean="0"/>
               <a:t>HALL </a:t>
             </a:r>
             <a:r>
               <a:rPr lang="ko-KR" altLang="en-US" sz="1200" b="1" dirty="0"/>
               <a:t>테이블 </a:t>
+            </a:r>
+            <a:r>
+              <a:rPr lang="en-US" altLang="ko-KR" sz="1200" b="1" dirty="0" smtClean="0"/>
+              <a:t>&gt; Update</a:t>
+            </a:r>
+            <a:r>
+              <a:rPr lang="en-US" altLang="ko-KR" sz="1200" b="1" dirty="0"/>
+              <a:t/>
             </a:r>
             <a:br>
               <a:rPr lang="en-US" altLang="ko-KR" sz="1200" b="1" dirty="0"/>
@@ -8066,18 +7879,18 @@
               <a:t>타석 관리 </a:t>
             </a:r>
             <a:r>
-              <a:rPr lang="ko-KR" altLang="en-US" sz="1400" dirty="0"/>
-              <a:t>이용시간 변경</a:t>
-            </a:r>
-            <a:r>
-              <a:rPr lang="en-US" altLang="ko-KR" sz="1400" dirty="0"/>
-              <a:t>, </a:t>
-            </a:r>
-            <a:r>
-              <a:rPr lang="ko-KR" altLang="en-US" sz="1400" dirty="0"/>
-              <a:t>타석 삭제</a:t>
-            </a:r>
-            <a:endParaRPr lang="ko-KR" altLang="en-US" sz="2400" dirty="0"/>
+              <a:rPr lang="en-US" altLang="ko-KR" sz="1600" b="1" dirty="0" smtClean="0"/>
+              <a:t>(</a:t>
+            </a:r>
+            <a:r>
+              <a:rPr lang="en-US" altLang="ko-KR" sz="1600" b="1" dirty="0" err="1"/>
+              <a:t>HioHallAdminController</a:t>
+            </a:r>
+            <a:r>
+              <a:rPr lang="en-US" altLang="ko-KR" sz="1600" b="1" dirty="0"/>
+              <a:t>)</a:t>
+            </a:r>
+            <a:endParaRPr lang="ko-KR" altLang="en-US" sz="1600" dirty="0"/>
           </a:p>
         </p:txBody>
       </p:sp>
@@ -8267,7 +8080,7 @@
         <p:spPr>
           <a:xfrm>
             <a:off x="8663990" y="1294579"/>
-            <a:ext cx="3436570" cy="3657604"/>
+            <a:ext cx="3436570" cy="3970318"/>
           </a:xfrm>
           <a:prstGeom prst="rect">
             <a:avLst/>
@@ -8305,6 +8118,10 @@
               <a:rPr lang="ko-KR" altLang="en-US" sz="1200" b="1" dirty="0"/>
               <a:t>테이블 </a:t>
             </a:r>
+            <a:r>
+              <a:rPr lang="en-US" altLang="ko-KR" sz="1200" b="1" dirty="0" smtClean="0"/>
+              <a:t>&gt; Update</a:t>
+            </a:r>
             <a:endParaRPr lang="en-US" altLang="ko-KR" sz="1200" b="1" dirty="0"/>
           </a:p>
           <a:p>
@@ -8420,11 +8237,34 @@
               <a:t>HALL </a:t>
             </a:r>
             <a:r>
-              <a:rPr lang="ko-KR" altLang="en-US" sz="1200" b="1" dirty="0"/>
-              <a:t>테이블에서 </a:t>
-            </a:r>
-            <a:r>
-              <a:rPr lang="en-US" altLang="ko-KR" sz="1200" b="1" dirty="0"/>
+              <a:rPr lang="ko-KR" altLang="en-US" sz="1200" b="1" dirty="0" smtClean="0"/>
+              <a:t>테이블 </a:t>
+            </a:r>
+            <a:r>
+              <a:rPr lang="en-US" altLang="ko-KR" sz="1200" b="1" dirty="0" smtClean="0"/>
+              <a:t>&gt; Delete</a:t>
+            </a:r>
+          </a:p>
+          <a:p>
+            <a:pPr>
+              <a:lnSpc>
+                <a:spcPct val="150000"/>
+              </a:lnSpc>
+            </a:pPr>
+            <a:r>
+              <a:rPr lang="ko-KR" altLang="en-US" sz="1200" b="1" dirty="0" smtClean="0"/>
+              <a:t>입력한 </a:t>
+            </a:r>
+            <a:r>
+              <a:rPr lang="en-US" altLang="ko-KR" sz="1200" b="1" dirty="0" err="1" smtClean="0"/>
+              <a:t>hallno</a:t>
+            </a:r>
+            <a:r>
+              <a:rPr lang="ko-KR" altLang="en-US" sz="1200" b="1" dirty="0" smtClean="0"/>
+              <a:t>의 값에 해당하는 </a:t>
+            </a:r>
+            <a:r>
+              <a:rPr lang="en-US" altLang="ko-KR" sz="1200" b="1" dirty="0" smtClean="0"/>
               <a:t>HALL</a:t>
             </a:r>
             <a:r>
@@ -8491,7 +8331,7 @@
 </file>
 
 <file path=ppt/slides/slide18.xml><?xml version="1.0" encoding="utf-8"?>
-<p:sld xmlns:r="http://schemas.openxmlformats.org/officeDocument/2006/relationships" xmlns:c="http://schemas.openxmlformats.org/drawingml/2006/chart" xmlns:a="http://schemas.openxmlformats.org/drawingml/2006/main" xmlns:dgm="http://schemas.openxmlformats.org/drawingml/2006/diagram" xmlns:dsp="http://schemas.microsoft.com/office/drawing/2008/diagram" xmlns:p="http://schemas.openxmlformats.org/presentationml/2006/main">
+<p:sld xmlns:a="http://schemas.openxmlformats.org/drawingml/2006/main" xmlns:r="http://schemas.openxmlformats.org/officeDocument/2006/relationships" xmlns:p="http://schemas.openxmlformats.org/presentationml/2006/main">
   <p:cSld>
     <p:spTree>
       <p:nvGrpSpPr>
@@ -8725,9 +8565,6 @@
               </a:rPr>
               <a:t>’이면 관리자로 로그인 </a:t>
             </a:r>
-            <a:endParaRPr lang="ko-KR" altLang="en-US" sz="1200">
-              <a:latin typeface="+mn-ea"/>
-            </a:endParaRPr>
           </a:p>
           <a:p>
             <a:pPr marL="0" indent="0">
@@ -8743,9 +8580,6 @@
               </a:rPr>
               <a:t>b.  처음 진입하면 현재 회원 리스트 보여 주며, 리스트에서 삭제할 회원이름을 입력 받아 회원 삭제를 진행</a:t>
             </a:r>
-            <a:endParaRPr lang="en-US" altLang="ko-KR" sz="1200">
-              <a:latin typeface="+mn-ea"/>
-            </a:endParaRPr>
           </a:p>
           <a:p>
             <a:pPr marL="0" indent="0">
@@ -8785,9 +8619,6 @@
               </a:rPr>
               <a:t>. </a:t>
             </a:r>
-            <a:endParaRPr lang="en-US" altLang="ko-KR" sz="1200">
-              <a:latin typeface="+mn-ea"/>
-            </a:endParaRPr>
           </a:p>
           <a:p>
             <a:pPr marL="0" indent="0">
@@ -8803,9 +8634,6 @@
               </a:rPr>
               <a:t>    삭제를 원치 않을 경우 ‘0’을 눌러 종료 </a:t>
             </a:r>
-            <a:endParaRPr lang="en-US" altLang="ko-KR" sz="1200">
-              <a:latin typeface="+mn-ea"/>
-            </a:endParaRPr>
           </a:p>
         </p:txBody>
       </p:sp>
@@ -8911,16 +8739,11 @@
             <a:r>
               <a:rPr lang="ko-KR" altLang="en-US" sz="4000" b="1">
                 <a:solidFill>
-                  <a:srgbClr val="51b56b"/>
+                  <a:srgbClr val="51B56B"/>
                 </a:solidFill>
               </a:rPr>
               <a:t> </a:t>
             </a:r>
-            <a:endParaRPr lang="ko-KR" altLang="en-US" sz="4000" b="1">
-              <a:solidFill>
-                <a:srgbClr val="51b56b"/>
-              </a:solidFill>
-            </a:endParaRPr>
           </a:p>
           <a:p>
             <a:pPr lvl="0">
@@ -8929,7 +8752,7 @@
             <a:r>
               <a:rPr lang="ko-KR" altLang="en-US" sz="2400" b="1">
                 <a:solidFill>
-                  <a:srgbClr val="51b56b"/>
+                  <a:srgbClr val="51B56B"/>
                 </a:solidFill>
               </a:rPr>
               <a:t>관리자 </a:t>
@@ -8951,7 +8774,7 @@
           <p:nvPr/>
         </p:nvPicPr>
         <p:blipFill rotWithShape="1">
-          <a:blip r:embed="rId5"/>
+          <a:blip r:embed="rId4"/>
           <a:srcRect t="73200" b="22070"/>
           <a:stretch>
             <a:fillRect/>
@@ -9008,7 +8831,6 @@
               <a:rPr lang="en-US" altLang="ko-KR" sz="1400"/>
               <a:t>1. HioMemberDeleteController</a:t>
             </a:r>
-            <a:endParaRPr lang="en-US" altLang="ko-KR" sz="1400"/>
           </a:p>
           <a:p>
             <a:pPr>
@@ -9021,7 +8843,6 @@
               <a:rPr lang="en-US" altLang="ko-KR" sz="1400"/>
               <a:t>2. HioMemberDeleteService</a:t>
             </a:r>
-            <a:endParaRPr lang="en-US" altLang="ko-KR" sz="1400"/>
           </a:p>
           <a:p>
             <a:pPr>
@@ -9034,7 +8855,6 @@
               <a:rPr lang="en-US" altLang="ko-KR" sz="1400"/>
               <a:t>3. HioMemberDeleteDao</a:t>
             </a:r>
-            <a:endParaRPr lang="en-US" altLang="ko-KR" sz="1400"/>
           </a:p>
         </p:txBody>
       </p:sp>
@@ -9070,7 +8890,6 @@
               <a:rPr lang="en-US" altLang="ko-KR" sz="1600" b="1"/>
               <a:t>1. HioMemeberDeleteController.java</a:t>
             </a:r>
-            <a:endParaRPr lang="en-US" altLang="ko-KR" sz="1600" b="1"/>
           </a:p>
           <a:p>
             <a:pPr>
@@ -9084,15 +8903,20 @@
         </p:txBody>
       </p:sp>
     </p:spTree>
+    <p:extLst>
+      <p:ext uri="{BB962C8B-B14F-4D97-AF65-F5344CB8AC3E}">
+        <p14:creationId xmlns:p14="http://schemas.microsoft.com/office/powerpoint/2010/main" val="2278845269"/>
+      </p:ext>
+    </p:extLst>
   </p:cSld>
   <p:clrMapOvr>
     <a:masterClrMapping/>
   </p:clrMapOvr>
-  <mc:AlternateContent xmlns:mc="http://schemas.openxmlformats.org/markup-compatibility/2006">
-    <mc:Choice xmlns:p14="http://schemas.microsoft.com/office/powerpoint/2010/main" Requires="p14">
-      <p:transition xmlns:mc="http://schemas.openxmlformats.org/markup-compatibility/2006" xmlns:p14="http://schemas.microsoft.com/office/powerpoint/2010/main" mc:Ignorable="p14" p14:dur="500"/>
+  <mc:AlternateContent xmlns:mc="http://schemas.openxmlformats.org/markup-compatibility/2006" xmlns:p14="http://schemas.microsoft.com/office/powerpoint/2010/main">
+    <mc:Choice Requires="p14">
+      <p:transition/>
     </mc:Choice>
-    <mc:Fallback>
+    <mc:Fallback xmlns:dsp="http://schemas.microsoft.com/office/drawing/2008/diagram" xmlns:dgm="http://schemas.openxmlformats.org/drawingml/2006/diagram" xmlns:c="http://schemas.openxmlformats.org/drawingml/2006/chart" xmlns="">
       <p:transition/>
     </mc:Fallback>
   </mc:AlternateContent>
@@ -10672,7 +10496,7 @@
     </p:spTree>
     <p:extLst>
       <p:ext uri="{BB962C8B-B14F-4D97-AF65-F5344CB8AC3E}">
-        <p14:creationId xmlns:p14="http://schemas.microsoft.com/office/powerpoint/2010/main" val="3889101906"/>
+        <p14:creationId xmlns:p14="http://schemas.microsoft.com/office/powerpoint/2010/main" val="3817799332"/>
       </p:ext>
     </p:extLst>
   </p:cSld>
@@ -11794,7 +11618,7 @@
         <p:spPr>
           <a:xfrm>
             <a:off x="569849" y="4720247"/>
-            <a:ext cx="4055686" cy="1256947"/>
+            <a:ext cx="4055686" cy="1292662"/>
           </a:xfrm>
           <a:prstGeom prst="rect">
             <a:avLst/>
@@ -11821,11 +11645,11 @@
               <a:t>, </a:t>
             </a:r>
             <a:r>
-              <a:rPr lang="ko-KR" altLang="en-US" sz="1200" dirty="0"/>
-              <a:t>예약 조회</a:t>
-            </a:r>
-            <a:r>
-              <a:rPr lang="en-US" altLang="ko-KR" sz="1200" dirty="0"/>
+              <a:rPr lang="ko-KR" altLang="en-US" sz="1200" dirty="0" smtClean="0"/>
+              <a:t>타석 관리</a:t>
+            </a:r>
+            <a:r>
+              <a:rPr lang="en-US" altLang="ko-KR" sz="1200" dirty="0" smtClean="0"/>
               <a:t>, </a:t>
             </a:r>
             <a:r>
@@ -11877,12 +11701,12 @@
               <a:t>or </a:t>
             </a:r>
             <a:r>
-              <a:rPr lang="ko-KR" altLang="en-US" sz="1200" b="1" dirty="0">
+              <a:rPr lang="ko-KR" altLang="en-US" sz="1200" b="1" dirty="0" smtClean="0">
                 <a:solidFill>
                   <a:srgbClr val="00572D"/>
                 </a:solidFill>
               </a:rPr>
-              <a:t>예약정보 조회 </a:t>
+              <a:t>타석 관리 </a:t>
             </a:r>
             <a:r>
               <a:rPr lang="en-US" altLang="ko-KR" sz="1200" dirty="0">
@@ -12990,10 +12814,46 @@
           </a:p>
           <a:p>
             <a:r>
-              <a:rPr lang="ko-KR" altLang="en-US" sz="2400" b="1" dirty="0"/>
-              <a:t>메인화면 </a:t>
-            </a:r>
-            <a:endParaRPr lang="ko-KR" altLang="en-US" sz="2400" dirty="0"/>
+              <a:rPr lang="ko-KR" altLang="en-US" sz="2400" b="1" dirty="0" smtClean="0">
+                <a:solidFill>
+                  <a:srgbClr val="51B56B"/>
+                </a:solidFill>
+              </a:rPr>
+              <a:t>메인</a:t>
+            </a:r>
+            <a:r>
+              <a:rPr lang="en-US" altLang="ko-KR" sz="2400" b="1" dirty="0" smtClean="0">
+                <a:solidFill>
+                  <a:srgbClr val="51B56B"/>
+                </a:solidFill>
+              </a:rPr>
+              <a:t> </a:t>
+            </a:r>
+            <a:r>
+              <a:rPr lang="ko-KR" altLang="en-US" sz="2000" b="1" dirty="0" err="1" smtClean="0"/>
+              <a:t>메인화면</a:t>
+            </a:r>
+            <a:r>
+              <a:rPr lang="en-US" altLang="ko-KR" sz="2400" b="1" dirty="0">
+                <a:solidFill>
+                  <a:srgbClr val="51B56B"/>
+                </a:solidFill>
+              </a:rPr>
+              <a:t> </a:t>
+            </a:r>
+            <a:r>
+              <a:rPr lang="en-US" altLang="ko-KR" sz="1600" b="1" dirty="0" smtClean="0"/>
+              <a:t>(</a:t>
+            </a:r>
+            <a:r>
+              <a:rPr lang="en-US" altLang="ko-KR" sz="1600" b="1" dirty="0" err="1" smtClean="0"/>
+              <a:t>HioMain</a:t>
+            </a:r>
+            <a:r>
+              <a:rPr lang="en-US" altLang="ko-KR" sz="1600" b="1" dirty="0" smtClean="0"/>
+              <a:t>)</a:t>
+            </a:r>
+            <a:endParaRPr lang="ko-KR" altLang="en-US" sz="1600" dirty="0"/>
           </a:p>
         </p:txBody>
       </p:sp>
@@ -13108,6 +12968,161 @@
           </p:spPr>
         </p:pic>
       </p:grpSp>
+      <p:sp>
+        <p:nvSpPr>
+          <p:cNvPr id="17" name="TextBox 16">
+            <a:extLst>
+              <a:ext uri="{FF2B5EF4-FFF2-40B4-BE49-F238E27FC236}">
+                <a16:creationId xmlns:a16="http://schemas.microsoft.com/office/drawing/2014/main" id="{8C1ED3B4-E716-9065-C20D-7EBFD0CCD354}"/>
+              </a:ext>
+            </a:extLst>
+          </p:cNvPr>
+          <p:cNvSpPr txBox="1"/>
+          <p:nvPr/>
+        </p:nvSpPr>
+        <p:spPr>
+          <a:xfrm>
+            <a:off x="8219687" y="445738"/>
+            <a:ext cx="3045257" cy="1477328"/>
+          </a:xfrm>
+          <a:prstGeom prst="rect">
+            <a:avLst/>
+          </a:prstGeom>
+          <a:noFill/>
+        </p:spPr>
+        <p:txBody>
+          <a:bodyPr wrap="none" rtlCol="0">
+            <a:spAutoFit/>
+          </a:bodyPr>
+          <a:lstStyle/>
+          <a:p>
+            <a:pPr>
+              <a:lnSpc>
+                <a:spcPct val="150000"/>
+              </a:lnSpc>
+            </a:pPr>
+            <a:r>
+              <a:rPr lang="ko-KR" altLang="en-US" sz="1200" b="1" dirty="0" smtClean="0"/>
+              <a:t>실행 시</a:t>
+            </a:r>
+            <a:r>
+              <a:rPr lang="en-US" altLang="ko-KR" sz="1200" b="1" dirty="0" smtClean="0"/>
+              <a:t>, </a:t>
+            </a:r>
+          </a:p>
+          <a:p>
+            <a:pPr>
+              <a:lnSpc>
+                <a:spcPct val="150000"/>
+              </a:lnSpc>
+            </a:pPr>
+            <a:r>
+              <a:rPr lang="ko-KR" altLang="en-US" sz="1200" b="1" dirty="0" smtClean="0"/>
+              <a:t>로그인 </a:t>
+            </a:r>
+            <a:r>
+              <a:rPr lang="en-US" altLang="ko-KR" sz="1200" b="1" dirty="0" smtClean="0"/>
+              <a:t>/ </a:t>
+            </a:r>
+            <a:r>
+              <a:rPr lang="ko-KR" altLang="en-US" sz="1200" b="1" dirty="0" smtClean="0"/>
+              <a:t>회원가입</a:t>
+            </a:r>
+            <a:r>
+              <a:rPr lang="en-US" altLang="ko-KR" sz="1200" b="1" dirty="0"/>
+              <a:t> </a:t>
+            </a:r>
+            <a:r>
+              <a:rPr lang="en-US" altLang="ko-KR" sz="1200" b="1" dirty="0" smtClean="0"/>
+              <a:t>/ </a:t>
+            </a:r>
+            <a:r>
+              <a:rPr lang="ko-KR" altLang="en-US" sz="1200" b="1" dirty="0" smtClean="0"/>
+              <a:t>종료 </a:t>
+            </a:r>
+            <a:r>
+              <a:rPr lang="en-US" altLang="ko-KR" sz="1200" b="1" dirty="0" smtClean="0"/>
+              <a:t>3</a:t>
+            </a:r>
+            <a:r>
+              <a:rPr lang="ko-KR" altLang="en-US" sz="1200" b="1" dirty="0" smtClean="0"/>
+              <a:t>개의 메뉴</a:t>
+            </a:r>
+            <a:endParaRPr lang="en-US" altLang="ko-KR" sz="1200" b="1" dirty="0" smtClean="0"/>
+          </a:p>
+          <a:p>
+            <a:pPr>
+              <a:lnSpc>
+                <a:spcPct val="150000"/>
+              </a:lnSpc>
+            </a:pPr>
+            <a:r>
+              <a:rPr lang="ko-KR" altLang="en-US" sz="1200" b="1" dirty="0" smtClean="0"/>
+              <a:t>로그인</a:t>
+            </a:r>
+            <a:r>
+              <a:rPr lang="en-US" altLang="ko-KR" sz="1200" b="1" dirty="0"/>
+              <a:t> </a:t>
+            </a:r>
+            <a:r>
+              <a:rPr lang="en-US" altLang="ko-KR" sz="1200" b="1" dirty="0" smtClean="0"/>
+              <a:t>&gt; result = </a:t>
+            </a:r>
+            <a:r>
+              <a:rPr lang="ko-KR" altLang="en-US" sz="1200" b="1" dirty="0" smtClean="0"/>
+              <a:t>회원등급</a:t>
+            </a:r>
+            <a:r>
+              <a:rPr lang="en-US" altLang="ko-KR" sz="1200" b="1" dirty="0"/>
+              <a:t> </a:t>
+            </a:r>
+            <a:r>
+              <a:rPr lang="en-US" altLang="ko-KR" sz="1200" b="1" dirty="0" smtClean="0"/>
+              <a:t>( 0</a:t>
+            </a:r>
+            <a:r>
+              <a:rPr lang="ko-KR" altLang="en-US" sz="1200" b="1" dirty="0" smtClean="0"/>
+              <a:t> </a:t>
+            </a:r>
+            <a:r>
+              <a:rPr lang="en-US" altLang="ko-KR" sz="1200" b="1" dirty="0" smtClean="0"/>
+              <a:t>= </a:t>
+            </a:r>
+            <a:r>
+              <a:rPr lang="ko-KR" altLang="en-US" sz="1200" b="1" dirty="0" smtClean="0"/>
+              <a:t>관리자</a:t>
+            </a:r>
+            <a:endParaRPr lang="en-US" altLang="ko-KR" sz="1200" b="1" dirty="0" smtClean="0"/>
+          </a:p>
+          <a:p>
+            <a:pPr>
+              <a:lnSpc>
+                <a:spcPct val="150000"/>
+              </a:lnSpc>
+            </a:pPr>
+            <a:r>
+              <a:rPr lang="en-US" altLang="ko-KR" sz="1200" b="1" dirty="0" smtClean="0"/>
+              <a:t>		     1 = </a:t>
+            </a:r>
+            <a:r>
+              <a:rPr lang="ko-KR" altLang="en-US" sz="1200" b="1" dirty="0" smtClean="0"/>
+              <a:t>회원 </a:t>
+            </a:r>
+            <a:r>
+              <a:rPr lang="en-US" altLang="ko-KR" sz="1200" b="1" dirty="0" smtClean="0"/>
+              <a:t>)</a:t>
+            </a:r>
+          </a:p>
+          <a:p>
+            <a:pPr>
+              <a:lnSpc>
+                <a:spcPct val="150000"/>
+              </a:lnSpc>
+            </a:pPr>
+            <a:endParaRPr lang="en-US" altLang="ko-KR" sz="1200" b="1" dirty="0"/>
+          </a:p>
+        </p:txBody>
+      </p:sp>
     </p:spTree>
     <p:extLst>
       <p:ext uri="{BB962C8B-B14F-4D97-AF65-F5344CB8AC3E}">
@@ -13263,7 +13278,7 @@
         </p:blipFill>
         <p:spPr>
           <a:xfrm>
-            <a:off x="950849" y="2238444"/>
+            <a:off x="544310" y="2363356"/>
             <a:ext cx="5534025" cy="4171950"/>
           </a:xfrm>
           <a:prstGeom prst="rect">
@@ -13327,8 +13342,32 @@
               <a:t> </a:t>
             </a:r>
             <a:r>
-              <a:rPr lang="ko-KR" altLang="en-US" sz="2000" b="1" dirty="0"/>
-              <a:t>로그인 </a:t>
+              <a:rPr lang="ko-KR" altLang="en-US" sz="2000" b="1" dirty="0" smtClean="0"/>
+              <a:t>로그인</a:t>
+            </a:r>
+            <a:r>
+              <a:rPr lang="en-US" altLang="ko-KR" sz="2000" b="1" dirty="0" smtClean="0"/>
+              <a:t> </a:t>
+            </a:r>
+            <a:r>
+              <a:rPr lang="en-US" altLang="ko-KR" sz="1600" b="1" dirty="0" smtClean="0"/>
+              <a:t>(</a:t>
+            </a:r>
+            <a:r>
+              <a:rPr lang="en-US" altLang="ko-KR" sz="1600" b="1" dirty="0" err="1" smtClean="0"/>
+              <a:t>HioMemberLoginController</a:t>
+            </a:r>
+            <a:r>
+              <a:rPr lang="en-US" altLang="ko-KR" sz="1600" b="1" dirty="0" smtClean="0"/>
+              <a:t>)</a:t>
+            </a:r>
+            <a:r>
+              <a:rPr lang="en-US" altLang="ko-KR" sz="2000" b="1" dirty="0" smtClean="0"/>
+              <a:t>	</a:t>
+            </a:r>
+            <a:r>
+              <a:rPr lang="ko-KR" altLang="en-US" sz="2000" b="1" dirty="0" smtClean="0"/>
+              <a:t> </a:t>
             </a:r>
             <a:endParaRPr lang="ko-KR" altLang="en-US" sz="2400" dirty="0"/>
           </a:p>
@@ -13408,8 +13447,8 @@
         </p:nvSpPr>
         <p:spPr>
           <a:xfrm>
-            <a:off x="585873" y="928727"/>
-            <a:ext cx="5139420" cy="1164614"/>
+            <a:off x="544310" y="852541"/>
+            <a:ext cx="5139420" cy="1441613"/>
           </a:xfrm>
           <a:prstGeom prst="rect">
             <a:avLst/>
@@ -13428,22 +13467,45 @@
               </a:lnSpc>
             </a:pPr>
             <a:r>
-              <a:rPr lang="en-US" altLang="ko-KR" sz="1200" dirty="0"/>
+              <a:rPr lang="en-US" altLang="ko-KR" sz="1200" b="1" dirty="0" smtClean="0"/>
               <a:t>MEMBER </a:t>
             </a:r>
             <a:r>
-              <a:rPr lang="ko-KR" altLang="en-US" sz="1200" dirty="0"/>
-              <a:t>테이블에서 </a:t>
-            </a:r>
-            <a:r>
-              <a:rPr lang="en-US" altLang="ko-KR" sz="1200" dirty="0"/>
-              <a:t>ID PWD</a:t>
-            </a:r>
-            <a:r>
-              <a:rPr lang="ko-KR" altLang="en-US" sz="1200" dirty="0"/>
+              <a:rPr lang="ko-KR" altLang="en-US" sz="1200" b="1" dirty="0" smtClean="0"/>
+              <a:t>테이블 </a:t>
+            </a:r>
+            <a:r>
+              <a:rPr lang="en-US" altLang="ko-KR" sz="1200" b="1" dirty="0" smtClean="0"/>
+              <a:t>&gt; Select</a:t>
+            </a:r>
+          </a:p>
+          <a:p>
+            <a:pPr>
+              <a:lnSpc>
+                <a:spcPct val="150000"/>
+              </a:lnSpc>
+            </a:pPr>
+            <a:r>
+              <a:rPr lang="en-US" altLang="ko-KR" sz="1200" b="1" dirty="0" smtClean="0"/>
+              <a:t>MEMBER </a:t>
+            </a:r>
+            <a:r>
+              <a:rPr lang="ko-KR" altLang="en-US" sz="1200" b="1" dirty="0" smtClean="0"/>
+              <a:t>테이블에서 입력한 </a:t>
+            </a:r>
+            <a:r>
+              <a:rPr lang="en-US" altLang="ko-KR" sz="1200" b="1" dirty="0" smtClean="0"/>
+              <a:t>ID, </a:t>
+            </a:r>
+            <a:r>
+              <a:rPr lang="en-US" altLang="ko-KR" sz="1200" b="1" dirty="0"/>
+              <a:t>PWD</a:t>
+            </a:r>
+            <a:r>
+              <a:rPr lang="ko-KR" altLang="en-US" sz="1200" b="1" dirty="0"/>
               <a:t>로 조회</a:t>
             </a:r>
-            <a:endParaRPr lang="en-US" altLang="ko-KR" sz="1200" dirty="0"/>
+            <a:endParaRPr lang="en-US" altLang="ko-KR" sz="1200" b="1" dirty="0"/>
           </a:p>
           <a:p>
             <a:pPr>
@@ -13532,7 +13594,7 @@
         </p:nvSpPr>
         <p:spPr>
           <a:xfrm>
-            <a:off x="6918247" y="2669233"/>
+            <a:off x="7001375" y="2902397"/>
             <a:ext cx="3729433" cy="3497886"/>
           </a:xfrm>
           <a:prstGeom prst="rect">
@@ -13584,8 +13646,8 @@
         </p:blipFill>
         <p:spPr>
           <a:xfrm>
-            <a:off x="608316" y="520093"/>
-            <a:ext cx="5978860" cy="5817813"/>
+            <a:off x="417124" y="878841"/>
+            <a:ext cx="5978860" cy="5656466"/>
           </a:xfrm>
           <a:prstGeom prst="rect">
             <a:avLst/>
@@ -13672,7 +13734,7 @@
         </p:blipFill>
         <p:spPr>
           <a:xfrm>
-            <a:off x="7116801" y="2892753"/>
+            <a:off x="7199929" y="3138348"/>
             <a:ext cx="3332323" cy="3050846"/>
           </a:xfrm>
           <a:prstGeom prst="rect">
@@ -13694,8 +13756,8 @@
         </p:nvSpPr>
         <p:spPr>
           <a:xfrm>
-            <a:off x="6785732" y="459050"/>
-            <a:ext cx="5118581" cy="1995611"/>
+            <a:off x="6813108" y="342453"/>
+            <a:ext cx="5118581" cy="2585323"/>
           </a:xfrm>
           <a:prstGeom prst="rect">
             <a:avLst/>
@@ -13718,18 +13780,13 @@
               <a:t>Member </a:t>
             </a:r>
             <a:r>
-              <a:rPr lang="ko-KR" altLang="en-US" sz="1200" b="1" dirty="0"/>
-              <a:t>테이블에서 중복되는 </a:t>
-            </a:r>
-            <a:r>
-              <a:rPr lang="en-US" altLang="ko-KR" sz="1200" b="1" dirty="0"/>
-              <a:t>ID </a:t>
-            </a:r>
-            <a:r>
-              <a:rPr lang="ko-KR" altLang="en-US" sz="1200" b="1" dirty="0"/>
-              <a:t>값 확인</a:t>
-            </a:r>
-            <a:endParaRPr lang="en-US" altLang="ko-KR" sz="1200" b="1" dirty="0"/>
+              <a:rPr lang="ko-KR" altLang="en-US" sz="1200" b="1" dirty="0" smtClean="0"/>
+              <a:t>테이블 </a:t>
+            </a:r>
+            <a:r>
+              <a:rPr lang="en-US" altLang="ko-KR" sz="1200" b="1" dirty="0" smtClean="0"/>
+              <a:t>&gt; SELECT</a:t>
+            </a:r>
           </a:p>
           <a:p>
             <a:pPr>
@@ -13738,19 +13795,91 @@
               </a:lnSpc>
             </a:pPr>
             <a:r>
+              <a:rPr lang="en-US" altLang="ko-KR" sz="1200" b="1" dirty="0" smtClean="0"/>
+              <a:t>MEMBER </a:t>
+            </a:r>
+            <a:r>
+              <a:rPr lang="ko-KR" altLang="en-US" sz="1200" b="1" dirty="0" smtClean="0"/>
+              <a:t>테이블에서 </a:t>
+            </a:r>
+            <a:r>
+              <a:rPr lang="en-US" altLang="ko-KR" sz="1200" b="1" dirty="0" smtClean="0"/>
+              <a:t>SELECT </a:t>
+            </a:r>
+            <a:r>
+              <a:rPr lang="ko-KR" altLang="en-US" sz="1200" b="1" dirty="0" smtClean="0"/>
+              <a:t>후 </a:t>
+            </a:r>
+            <a:r>
+              <a:rPr lang="ko-KR" altLang="en-US" sz="1200" b="1" dirty="0" err="1" smtClean="0"/>
+              <a:t>입력받은</a:t>
+            </a:r>
+            <a:r>
+              <a:rPr lang="ko-KR" altLang="en-US" sz="1200" b="1" dirty="0" smtClean="0"/>
+              <a:t> </a:t>
+            </a:r>
+            <a:r>
+              <a:rPr lang="en-US" altLang="ko-KR" sz="1200" b="1" dirty="0" smtClean="0"/>
+              <a:t>ID</a:t>
+            </a:r>
+            <a:r>
+              <a:rPr lang="ko-KR" altLang="en-US" sz="1200" b="1" dirty="0" smtClean="0"/>
+              <a:t>와 비교</a:t>
+            </a:r>
+            <a:endParaRPr lang="en-US" altLang="ko-KR" sz="1200" b="1" dirty="0" smtClean="0"/>
+          </a:p>
+          <a:p>
+            <a:pPr>
+              <a:lnSpc>
+                <a:spcPct val="150000"/>
+              </a:lnSpc>
+            </a:pPr>
+            <a:r>
+              <a:rPr lang="en-US" altLang="ko-KR" sz="1200" dirty="0" err="1" smtClean="0"/>
+              <a:t>HioMemberInsertService</a:t>
+            </a:r>
+            <a:r>
+              <a:rPr lang="en-US" altLang="ko-KR" sz="1200" dirty="0" smtClean="0"/>
+              <a:t>().</a:t>
+            </a:r>
+            <a:r>
+              <a:rPr lang="en-US" altLang="ko-KR" sz="1200" dirty="0" err="1" smtClean="0"/>
+              <a:t>selectMemberName</a:t>
+            </a:r>
+            <a:r>
+              <a:rPr lang="en-US" altLang="ko-KR" sz="1200" dirty="0" smtClean="0"/>
+              <a:t>(</a:t>
+            </a:r>
+            <a:r>
+              <a:rPr lang="en-US" altLang="ko-KR" sz="1200" dirty="0" err="1" smtClean="0"/>
+              <a:t>memberId</a:t>
+            </a:r>
+            <a:r>
+              <a:rPr lang="en-US" altLang="ko-KR" sz="1200" dirty="0" smtClean="0"/>
+              <a:t>)</a:t>
+            </a:r>
+          </a:p>
+          <a:p>
+            <a:pPr>
+              <a:lnSpc>
+                <a:spcPct val="150000"/>
+              </a:lnSpc>
+            </a:pPr>
+            <a:r>
+              <a:rPr lang="en-US" altLang="ko-KR" sz="1200" dirty="0" smtClean="0"/>
+              <a:t>SELECT </a:t>
+            </a:r>
+            <a:r>
               <a:rPr lang="en-US" altLang="ko-KR" sz="1200" dirty="0"/>
-              <a:t>HioMemberInsertService().selectMemberName(memberId)</a:t>
-            </a:r>
-          </a:p>
-          <a:p>
-            <a:pPr>
-              <a:lnSpc>
-                <a:spcPct val="150000"/>
-              </a:lnSpc>
-            </a:pPr>
-            <a:r>
-              <a:rPr lang="en-US" altLang="ko-KR" sz="1200" dirty="0"/>
-              <a:t>SELECT memberid FROM MEMBER WHERE memberid=?</a:t>
+              <a:t>memberid FROM MEMBER WHERE </a:t>
+            </a:r>
+            <a:r>
+              <a:rPr lang="en-US" altLang="ko-KR" sz="1200" dirty="0" err="1"/>
+              <a:t>memberid</a:t>
+            </a:r>
+            <a:r>
+              <a:rPr lang="en-US" altLang="ko-KR" sz="1200" dirty="0" smtClean="0"/>
+              <a:t>=?</a:t>
             </a:r>
           </a:p>
           <a:p>
@@ -13773,9 +13902,12 @@
             </a:r>
             <a:r>
               <a:rPr lang="ko-KR" altLang="en-US" sz="1200" b="1" dirty="0"/>
-              <a:t>테이블 인서트</a:t>
-            </a:r>
-            <a:endParaRPr lang="en-US" altLang="ko-KR" sz="1200" b="1" dirty="0"/>
+              <a:t>테이블 </a:t>
+            </a:r>
+            <a:r>
+              <a:rPr lang="en-US" altLang="ko-KR" sz="1200" b="1" dirty="0" smtClean="0"/>
+              <a:t>&gt; INSERT</a:t>
+            </a:r>
           </a:p>
           <a:p>
             <a:pPr>
@@ -13784,8 +13916,56 @@
               </a:lnSpc>
             </a:pPr>
             <a:r>
+              <a:rPr lang="ko-KR" altLang="en-US" sz="1200" b="1" dirty="0" err="1" smtClean="0"/>
+              <a:t>입력받은</a:t>
+            </a:r>
+            <a:r>
+              <a:rPr lang="ko-KR" altLang="en-US" sz="1200" b="1" dirty="0" smtClean="0"/>
+              <a:t> 값을 </a:t>
+            </a:r>
+            <a:r>
+              <a:rPr lang="en-US" altLang="ko-KR" sz="1200" b="1" dirty="0" smtClean="0"/>
+              <a:t>MEMBER </a:t>
+            </a:r>
+            <a:r>
+              <a:rPr lang="ko-KR" altLang="en-US" sz="1200" b="1" dirty="0" smtClean="0"/>
+              <a:t>테이블에 </a:t>
+            </a:r>
+            <a:r>
+              <a:rPr lang="en-US" altLang="ko-KR" sz="1200" b="1" dirty="0" smtClean="0"/>
+              <a:t>INSERT (</a:t>
+            </a:r>
+            <a:r>
+              <a:rPr lang="en-US" altLang="ko-KR" sz="1200" b="1" dirty="0" err="1" smtClean="0"/>
+              <a:t>memberno</a:t>
+            </a:r>
+            <a:r>
+              <a:rPr lang="en-US" altLang="ko-KR" sz="1200" b="1" dirty="0" smtClean="0"/>
+              <a:t> = </a:t>
+            </a:r>
+            <a:r>
+              <a:rPr lang="ko-KR" altLang="en-US" sz="1200" b="1" dirty="0" smtClean="0"/>
+              <a:t>시퀀스</a:t>
+            </a:r>
+            <a:r>
+              <a:rPr lang="en-US" altLang="ko-KR" sz="1200" b="1" dirty="0" smtClean="0"/>
+              <a:t>)</a:t>
+            </a:r>
+            <a:endParaRPr lang="en-US" altLang="ko-KR" sz="1200" dirty="0" smtClean="0"/>
+          </a:p>
+          <a:p>
+            <a:pPr>
+              <a:lnSpc>
+                <a:spcPct val="150000"/>
+              </a:lnSpc>
+            </a:pPr>
+            <a:r>
+              <a:rPr lang="en-US" altLang="ko-KR" sz="1200" dirty="0" err="1" smtClean="0"/>
+              <a:t>HioMemberInsertService</a:t>
+            </a:r>
+            <a:r>
               <a:rPr lang="en-US" altLang="ko-KR" sz="1200" dirty="0"/>
-              <a:t>HioMemberInsertService().memberInsert(hioMember)</a:t>
+              <a:t>().memberInsert(hioMember)</a:t>
             </a:r>
             <a:br>
               <a:rPr lang="en-US" altLang="ko-KR" sz="1200" dirty="0"/>
@@ -13794,6 +13974,85 @@
               <a:rPr lang="en-US" altLang="ko-KR" sz="1200" dirty="0"/>
               <a:t>INSERT INTO MEMBER VALUES(MEMBERNO_SEQ.nextval, ?, ?, ?, ?, ?, ?)</a:t>
             </a:r>
+          </a:p>
+        </p:txBody>
+      </p:sp>
+      <p:sp>
+        <p:nvSpPr>
+          <p:cNvPr id="8" name="TextBox 7">
+            <a:extLst>
+              <a:ext uri="{FF2B5EF4-FFF2-40B4-BE49-F238E27FC236}">
+                <a16:creationId xmlns:a16="http://schemas.microsoft.com/office/drawing/2014/main" id="{3A192F86-043F-2DC4-39D0-1693E6A3062F}"/>
+              </a:ext>
+            </a:extLst>
+          </p:cNvPr>
+          <p:cNvSpPr txBox="1"/>
+          <p:nvPr/>
+        </p:nvSpPr>
+        <p:spPr>
+          <a:xfrm>
+            <a:off x="180427" y="-185435"/>
+            <a:ext cx="6045806" cy="1077218"/>
+          </a:xfrm>
+          <a:prstGeom prst="rect">
+            <a:avLst/>
+          </a:prstGeom>
+          <a:noFill/>
+        </p:spPr>
+        <p:txBody>
+          <a:bodyPr wrap="square" rtlCol="0">
+            <a:spAutoFit/>
+          </a:bodyPr>
+          <a:lstStyle/>
+          <a:p>
+            <a:r>
+              <a:rPr lang="ko-KR" altLang="en-US" sz="4000" b="1" dirty="0">
+                <a:solidFill>
+                  <a:srgbClr val="51B56B"/>
+                </a:solidFill>
+              </a:rPr>
+              <a:t> </a:t>
+            </a:r>
+            <a:endParaRPr lang="en-US" altLang="ko-KR" sz="4000" b="1" dirty="0">
+              <a:solidFill>
+                <a:srgbClr val="51B56B"/>
+              </a:solidFill>
+            </a:endParaRPr>
+          </a:p>
+          <a:p>
+            <a:r>
+              <a:rPr lang="ko-KR" altLang="en-US" sz="2400" b="1" dirty="0">
+                <a:solidFill>
+                  <a:srgbClr val="51B56B"/>
+                </a:solidFill>
+              </a:rPr>
+              <a:t>회원</a:t>
+            </a:r>
+            <a:r>
+              <a:rPr lang="ko-KR" altLang="en-US" sz="2400" b="1" dirty="0"/>
+              <a:t> </a:t>
+            </a:r>
+            <a:r>
+              <a:rPr lang="ko-KR" altLang="en-US" sz="2000" b="1" dirty="0" smtClean="0"/>
+              <a:t>회원가입</a:t>
+            </a:r>
+            <a:r>
+              <a:rPr lang="en-US" altLang="ko-KR" sz="2000" b="1" dirty="0" smtClean="0"/>
+              <a:t> </a:t>
+            </a:r>
+            <a:r>
+              <a:rPr lang="en-US" altLang="ko-KR" sz="1600" b="1" dirty="0" smtClean="0"/>
+              <a:t>(</a:t>
+            </a:r>
+            <a:r>
+              <a:rPr lang="en-US" altLang="ko-KR" sz="1600" b="1" dirty="0" err="1" smtClean="0"/>
+              <a:t>HioMemberInsertController</a:t>
+            </a:r>
+            <a:r>
+              <a:rPr lang="en-US" altLang="ko-KR" sz="1600" b="1" dirty="0"/>
+              <a:t>)</a:t>
+            </a:r>
+            <a:endParaRPr lang="ko-KR" altLang="en-US" sz="1600" dirty="0"/>
           </a:p>
         </p:txBody>
       </p:sp>
@@ -13811,44 +14070,44 @@
 </file>
 
 <file path=ppt/theme/theme1.xml><?xml version="1.0" encoding="utf-8"?>
-<a:theme xmlns:r="http://schemas.openxmlformats.org/officeDocument/2006/relationships" xmlns:c="http://schemas.openxmlformats.org/drawingml/2006/chart" xmlns:dgm="http://schemas.openxmlformats.org/drawingml/2006/diagram" xmlns:dsp="http://schemas.microsoft.com/office/drawing/2008/diagram" xmlns:a="http://schemas.openxmlformats.org/drawingml/2006/main" xmlns:pic="http://schemas.openxmlformats.org/drawingml/2006/picture" xmlns:wp="http://schemas.openxmlformats.org/drawingml/2006/wordprocessingDrawing" xmlns:xdr="http://schemas.openxmlformats.org/drawingml/2006/spreadsheetDrawing" xmlns:lc="http://schemas.openxmlformats.org/drawingml/2006/lockedCanvas" xmlns:p="http://schemas.openxmlformats.org/presentationml/2006/main" name="Office 테마">
+<a:theme xmlns:a="http://schemas.openxmlformats.org/drawingml/2006/main" name="Office 테마">
   <a:themeElements>
     <a:clrScheme name="Office">
       <a:dk1>
         <a:sysClr val="windowText" lastClr="000000"/>
       </a:dk1>
       <a:lt1>
-        <a:sysClr val="window" lastClr="ffffff"/>
+        <a:sysClr val="window" lastClr="FFFFFF"/>
       </a:lt1>
       <a:dk2>
-        <a:srgbClr val="44546a"/>
+        <a:srgbClr val="44546A"/>
       </a:dk2>
       <a:lt2>
-        <a:srgbClr val="e7e6e6"/>
+        <a:srgbClr val="E7E6E6"/>
       </a:lt2>
       <a:accent1>
-        <a:srgbClr val="4472c4"/>
+        <a:srgbClr val="4472C4"/>
       </a:accent1>
       <a:accent2>
-        <a:srgbClr val="ed7d31"/>
+        <a:srgbClr val="ED7D31"/>
       </a:accent2>
       <a:accent3>
-        <a:srgbClr val="a5a5a5"/>
+        <a:srgbClr val="A5A5A5"/>
       </a:accent3>
       <a:accent4>
-        <a:srgbClr val="ffc000"/>
+        <a:srgbClr val="FFC000"/>
       </a:accent4>
       <a:accent5>
-        <a:srgbClr val="5b9bd5"/>
+        <a:srgbClr val="5B9BD5"/>
       </a:accent5>
       <a:accent6>
-        <a:srgbClr val="70ad47"/>
+        <a:srgbClr val="70AD47"/>
       </a:accent6>
       <a:hlink>
-        <a:srgbClr val="0563c1"/>
+        <a:srgbClr val="0563C1"/>
       </a:hlink>
       <a:folHlink>
-        <a:srgbClr val="954f72"/>
+        <a:srgbClr val="954F72"/>
       </a:folHlink>
     </a:clrScheme>
     <a:fontScheme name="Office">
@@ -13856,7 +14115,7 @@
         <a:latin typeface="맑은 고딕" panose="020F0302020204030204"/>
         <a:ea typeface=""/>
         <a:cs typeface=""/>
-        <a:font script="Jpan" typeface="Yu Gothic Light"/>
+        <a:font script="Jpan" typeface="游ゴシック Light"/>
         <a:font script="Hang" typeface="맑은 고딕"/>
         <a:font script="Hans" typeface="等线 Light"/>
         <a:font script="Hant" typeface="新細明體"/>
@@ -13908,7 +14167,7 @@
         <a:latin typeface="맑은 고딕" panose="020F0502020204030204"/>
         <a:ea typeface=""/>
         <a:cs typeface=""/>
-        <a:font script="Jpan" typeface="Yu Gothic"/>
+        <a:font script="Jpan" typeface="游ゴシック"/>
         <a:font script="Hang" typeface="맑은 고딕"/>
         <a:font script="Hans" typeface="等线"/>
         <a:font script="Hant" typeface="新細明體"/>
@@ -14021,21 +14280,21 @@
             <a:schemeClr val="phClr"/>
           </a:solidFill>
           <a:prstDash val="solid"/>
-          <a:miter/>
+          <a:miter lim="800000"/>
         </a:ln>
         <a:ln w="12700" cap="flat" cmpd="sng" algn="ctr">
           <a:solidFill>
             <a:schemeClr val="phClr"/>
           </a:solidFill>
           <a:prstDash val="solid"/>
-          <a:miter/>
+          <a:miter lim="800000"/>
         </a:ln>
         <a:ln w="19050" cap="flat" cmpd="sng" algn="ctr">
           <a:solidFill>
             <a:schemeClr val="phClr"/>
           </a:solidFill>
           <a:prstDash val="solid"/>
-          <a:miter/>
+          <a:miter lim="800000"/>
         </a:ln>
       </a:lnStyleLst>
       <a:effectStyleLst>
@@ -14095,48 +14354,55 @@
       </a:bgFillStyleLst>
     </a:fmtScheme>
   </a:themeElements>
+  <a:objectDefaults/>
+  <a:extraClrSchemeLst/>
+  <a:extLst>
+    <a:ext uri="{05A4C25C-085E-4340-85A3-A5531E510DB2}">
+      <thm15:themeFamily xmlns:thm15="http://schemas.microsoft.com/office/thememl/2012/main" name="Office Theme" id="{62F939B6-93AF-4DB8-9C6B-D6C7DFDC589F}" vid="{4A3C46E8-61CC-4603-A589-7422A47A8E4A}"/>
+    </a:ext>
+  </a:extLst>
 </a:theme>
 </file>
 
 <file path=ppt/theme/theme2.xml><?xml version="1.0" encoding="utf-8"?>
-<a:theme xmlns:r="http://schemas.openxmlformats.org/officeDocument/2006/relationships" xmlns:c="http://schemas.openxmlformats.org/drawingml/2006/chart" xmlns:dgm="http://schemas.openxmlformats.org/drawingml/2006/diagram" xmlns:dsp="http://schemas.microsoft.com/office/drawing/2008/diagram" xmlns:a="http://schemas.openxmlformats.org/drawingml/2006/main" xmlns:pic="http://schemas.openxmlformats.org/drawingml/2006/picture" xmlns:wp="http://schemas.openxmlformats.org/drawingml/2006/wordprocessingDrawing" xmlns:xdr="http://schemas.openxmlformats.org/drawingml/2006/spreadsheetDrawing" xmlns:lc="http://schemas.openxmlformats.org/drawingml/2006/lockedCanvas" xmlns:p="http://schemas.openxmlformats.org/presentationml/2006/main" name="Office 테마">
+<a:theme xmlns:a="http://schemas.openxmlformats.org/drawingml/2006/main" name="Office 테마">
   <a:themeElements>
     <a:clrScheme name="Office">
       <a:dk1>
         <a:sysClr val="windowText" lastClr="000000"/>
       </a:dk1>
       <a:lt1>
-        <a:sysClr val="window" lastClr="ffffff"/>
+        <a:sysClr val="window" lastClr="FFFFFF"/>
       </a:lt1>
       <a:dk2>
-        <a:srgbClr val="44546a"/>
+        <a:srgbClr val="44546A"/>
       </a:dk2>
       <a:lt2>
-        <a:srgbClr val="e7e6e6"/>
+        <a:srgbClr val="E7E6E6"/>
       </a:lt2>
       <a:accent1>
-        <a:srgbClr val="5b9bd5"/>
+        <a:srgbClr val="5B9BD5"/>
       </a:accent1>
       <a:accent2>
-        <a:srgbClr val="ed7d31"/>
+        <a:srgbClr val="ED7D31"/>
       </a:accent2>
       <a:accent3>
-        <a:srgbClr val="a5a5a5"/>
+        <a:srgbClr val="A5A5A5"/>
       </a:accent3>
       <a:accent4>
-        <a:srgbClr val="ffc000"/>
+        <a:srgbClr val="FFC000"/>
       </a:accent4>
       <a:accent5>
-        <a:srgbClr val="4472c4"/>
+        <a:srgbClr val="4472C4"/>
       </a:accent5>
       <a:accent6>
-        <a:srgbClr val="70ad47"/>
+        <a:srgbClr val="70AD47"/>
       </a:accent6>
       <a:hlink>
-        <a:srgbClr val="0563c1"/>
+        <a:srgbClr val="0563C1"/>
       </a:hlink>
       <a:folHlink>
-        <a:srgbClr val="954f72"/>
+        <a:srgbClr val="954F72"/>
       </a:folHlink>
     </a:clrScheme>
     <a:fontScheme name="Office">
@@ -14144,7 +14410,7 @@
         <a:latin typeface="맑은 고딕" panose="020F0302020204030204"/>
         <a:ea typeface=""/>
         <a:cs typeface=""/>
-        <a:font script="Jpan" typeface="Yu Gothic Light"/>
+        <a:font script="Jpan" typeface="游ゴシック Light"/>
         <a:font script="Hang" typeface="맑은 고딕"/>
         <a:font script="Hans" typeface="等线 Light"/>
         <a:font script="Hant" typeface="新細明體"/>
@@ -14179,7 +14445,7 @@
         <a:latin typeface="맑은 고딕" panose="020F0502020204030204"/>
         <a:ea typeface=""/>
         <a:cs typeface=""/>
-        <a:font script="Jpan" typeface="Yu Gothic"/>
+        <a:font script="Jpan" typeface="游ゴシック"/>
         <a:font script="Hang" typeface="맑은 고딕"/>
         <a:font script="Hans" typeface="等线"/>
         <a:font script="Hant" typeface="新細明體"/>
@@ -14275,21 +14541,21 @@
             <a:schemeClr val="phClr"/>
           </a:solidFill>
           <a:prstDash val="solid"/>
-          <a:miter/>
+          <a:miter lim="800000"/>
         </a:ln>
         <a:ln w="12700" cap="flat" cmpd="sng" algn="ctr">
           <a:solidFill>
             <a:schemeClr val="phClr"/>
           </a:solidFill>
           <a:prstDash val="solid"/>
-          <a:miter/>
+          <a:miter lim="800000"/>
         </a:ln>
         <a:ln w="19050" cap="flat" cmpd="sng" algn="ctr">
           <a:solidFill>
             <a:schemeClr val="phClr"/>
           </a:solidFill>
           <a:prstDash val="solid"/>
-          <a:miter/>
+          <a:miter lim="800000"/>
         </a:ln>
       </a:lnStyleLst>
       <a:effectStyleLst>
@@ -14349,5 +14615,12 @@
       </a:bgFillStyleLst>
     </a:fmtScheme>
   </a:themeElements>
+  <a:objectDefaults/>
+  <a:extraClrSchemeLst/>
+  <a:extLst>
+    <a:ext uri="{05A4C25C-085E-4340-85A3-A5531E510DB2}">
+      <thm15:themeFamily xmlns:thm15="http://schemas.microsoft.com/office/thememl/2012/main" name="Office Theme" id="{62F939B6-93AF-4DB8-9C6B-D6C7DFDC589F}" vid="{4A3C46E8-61CC-4603-A589-7422A47A8E4A}"/>
+    </a:ext>
+  </a:extLst>
 </a:theme>
 </file>